--- a/3-Caffe向けの自作データセットの作成.pptx
+++ b/3-Caffe向けの自作データセットの作成.pptx
@@ -5,27 +5,33 @@
     <p:sldMasterId id="2147483660" r:id="rId1"/>
   </p:sldMasterIdLst>
   <p:notesMasterIdLst>
-    <p:notesMasterId r:id="rId20"/>
+    <p:notesMasterId r:id="rId26"/>
   </p:notesMasterIdLst>
   <p:sldIdLst>
     <p:sldId id="257" r:id="rId2"/>
     <p:sldId id="258" r:id="rId3"/>
     <p:sldId id="259" r:id="rId4"/>
-    <p:sldId id="260" r:id="rId5"/>
-    <p:sldId id="261" r:id="rId6"/>
-    <p:sldId id="263" r:id="rId7"/>
-    <p:sldId id="262" r:id="rId8"/>
-    <p:sldId id="264" r:id="rId9"/>
-    <p:sldId id="265" r:id="rId10"/>
-    <p:sldId id="266" r:id="rId11"/>
-    <p:sldId id="267" r:id="rId12"/>
-    <p:sldId id="268" r:id="rId13"/>
-    <p:sldId id="269" r:id="rId14"/>
-    <p:sldId id="270" r:id="rId15"/>
-    <p:sldId id="271" r:id="rId16"/>
-    <p:sldId id="273" r:id="rId17"/>
-    <p:sldId id="274" r:id="rId18"/>
-    <p:sldId id="275" r:id="rId19"/>
+    <p:sldId id="280" r:id="rId5"/>
+    <p:sldId id="281" r:id="rId6"/>
+    <p:sldId id="260" r:id="rId7"/>
+    <p:sldId id="261" r:id="rId8"/>
+    <p:sldId id="263" r:id="rId9"/>
+    <p:sldId id="262" r:id="rId10"/>
+    <p:sldId id="264" r:id="rId11"/>
+    <p:sldId id="265" r:id="rId12"/>
+    <p:sldId id="266" r:id="rId13"/>
+    <p:sldId id="267" r:id="rId14"/>
+    <p:sldId id="268" r:id="rId15"/>
+    <p:sldId id="278" r:id="rId16"/>
+    <p:sldId id="279" r:id="rId17"/>
+    <p:sldId id="276" r:id="rId18"/>
+    <p:sldId id="277" r:id="rId19"/>
+    <p:sldId id="269" r:id="rId20"/>
+    <p:sldId id="270" r:id="rId21"/>
+    <p:sldId id="271" r:id="rId22"/>
+    <p:sldId id="273" r:id="rId23"/>
+    <p:sldId id="274" r:id="rId24"/>
+    <p:sldId id="275" r:id="rId25"/>
   </p:sldIdLst>
   <p:sldSz cx="9144000" cy="6858000" type="screen4x3"/>
   <p:notesSz cx="6858000" cy="9144000"/>
@@ -214,7 +220,7 @@
           <a:p>
             <a:fld id="{CACC0BD1-BAA3-6247-B548-55F621304EA2}" type="datetimeFigureOut">
               <a:rPr kumimoji="1" lang="ja-JP" altLang="en-US" smtClean="0"/>
-              <a:t>2016/11/28</a:t>
+              <a:t>2016/11/29</a:t>
             </a:fld>
             <a:endParaRPr kumimoji="1" lang="ja-JP" altLang="en-US"/>
           </a:p>
@@ -644,7 +650,7 @@
           <a:p>
             <a:fld id="{9D73DED9-4FA0-7044-9CFF-2450AC6D352B}" type="datetimeFigureOut">
               <a:rPr kumimoji="1" lang="ja-JP" altLang="en-US" smtClean="0"/>
-              <a:t>2016/11/28</a:t>
+              <a:t>2016/11/29</a:t>
             </a:fld>
             <a:endParaRPr kumimoji="1" lang="ja-JP" altLang="en-US"/>
           </a:p>
@@ -846,7 +852,7 @@
           <a:p>
             <a:fld id="{9D73DED9-4FA0-7044-9CFF-2450AC6D352B}" type="datetimeFigureOut">
               <a:rPr kumimoji="1" lang="ja-JP" altLang="en-US" smtClean="0"/>
-              <a:t>2016/11/28</a:t>
+              <a:t>2016/11/29</a:t>
             </a:fld>
             <a:endParaRPr kumimoji="1" lang="ja-JP" altLang="en-US"/>
           </a:p>
@@ -1058,7 +1064,7 @@
           <a:p>
             <a:fld id="{9D73DED9-4FA0-7044-9CFF-2450AC6D352B}" type="datetimeFigureOut">
               <a:rPr kumimoji="1" lang="ja-JP" altLang="en-US" smtClean="0"/>
-              <a:t>2016/11/28</a:t>
+              <a:t>2016/11/29</a:t>
             </a:fld>
             <a:endParaRPr kumimoji="1" lang="ja-JP" altLang="en-US"/>
           </a:p>
@@ -1260,7 +1266,7 @@
           <a:p>
             <a:fld id="{9D73DED9-4FA0-7044-9CFF-2450AC6D352B}" type="datetimeFigureOut">
               <a:rPr kumimoji="1" lang="ja-JP" altLang="en-US" smtClean="0"/>
-              <a:t>2016/11/28</a:t>
+              <a:t>2016/11/29</a:t>
             </a:fld>
             <a:endParaRPr kumimoji="1" lang="ja-JP" altLang="en-US"/>
           </a:p>
@@ -1504,7 +1510,7 @@
           <a:p>
             <a:fld id="{9D73DED9-4FA0-7044-9CFF-2450AC6D352B}" type="datetimeFigureOut">
               <a:rPr kumimoji="1" lang="ja-JP" altLang="en-US" smtClean="0"/>
-              <a:t>2016/11/28</a:t>
+              <a:t>2016/11/29</a:t>
             </a:fld>
             <a:endParaRPr kumimoji="1" lang="ja-JP" altLang="en-US"/>
           </a:p>
@@ -1800,7 +1806,7 @@
           <a:p>
             <a:fld id="{9D73DED9-4FA0-7044-9CFF-2450AC6D352B}" type="datetimeFigureOut">
               <a:rPr kumimoji="1" lang="ja-JP" altLang="en-US" smtClean="0"/>
-              <a:t>2016/11/28</a:t>
+              <a:t>2016/11/29</a:t>
             </a:fld>
             <a:endParaRPr kumimoji="1" lang="ja-JP" altLang="en-US"/>
           </a:p>
@@ -2231,7 +2237,7 @@
           <a:p>
             <a:fld id="{9D73DED9-4FA0-7044-9CFF-2450AC6D352B}" type="datetimeFigureOut">
               <a:rPr kumimoji="1" lang="ja-JP" altLang="en-US" smtClean="0"/>
-              <a:t>2016/11/28</a:t>
+              <a:t>2016/11/29</a:t>
             </a:fld>
             <a:endParaRPr kumimoji="1" lang="ja-JP" altLang="en-US"/>
           </a:p>
@@ -2349,7 +2355,7 @@
           <a:p>
             <a:fld id="{9D73DED9-4FA0-7044-9CFF-2450AC6D352B}" type="datetimeFigureOut">
               <a:rPr kumimoji="1" lang="ja-JP" altLang="en-US" smtClean="0"/>
-              <a:t>2016/11/28</a:t>
+              <a:t>2016/11/29</a:t>
             </a:fld>
             <a:endParaRPr kumimoji="1" lang="ja-JP" altLang="en-US"/>
           </a:p>
@@ -2444,7 +2450,7 @@
           <a:p>
             <a:fld id="{9D73DED9-4FA0-7044-9CFF-2450AC6D352B}" type="datetimeFigureOut">
               <a:rPr kumimoji="1" lang="ja-JP" altLang="en-US" smtClean="0"/>
-              <a:t>2016/11/28</a:t>
+              <a:t>2016/11/29</a:t>
             </a:fld>
             <a:endParaRPr kumimoji="1" lang="ja-JP" altLang="en-US"/>
           </a:p>
@@ -2753,7 +2759,7 @@
           <a:p>
             <a:fld id="{9D73DED9-4FA0-7044-9CFF-2450AC6D352B}" type="datetimeFigureOut">
               <a:rPr kumimoji="1" lang="ja-JP" altLang="en-US" smtClean="0"/>
-              <a:t>2016/11/28</a:t>
+              <a:t>2016/11/29</a:t>
             </a:fld>
             <a:endParaRPr kumimoji="1" lang="ja-JP" altLang="en-US"/>
           </a:p>
@@ -3010,7 +3016,7 @@
           <a:p>
             <a:fld id="{9D73DED9-4FA0-7044-9CFF-2450AC6D352B}" type="datetimeFigureOut">
               <a:rPr kumimoji="1" lang="ja-JP" altLang="en-US" smtClean="0"/>
-              <a:t>2016/11/28</a:t>
+              <a:t>2016/11/29</a:t>
             </a:fld>
             <a:endParaRPr kumimoji="1" lang="ja-JP" altLang="en-US"/>
           </a:p>
@@ -3255,7 +3261,7 @@
           <a:p>
             <a:fld id="{9D73DED9-4FA0-7044-9CFF-2450AC6D352B}" type="datetimeFigureOut">
               <a:rPr kumimoji="1" lang="ja-JP" altLang="en-US" smtClean="0"/>
-              <a:t>2016/11/28</a:t>
+              <a:t>2016/11/29</a:t>
             </a:fld>
             <a:endParaRPr kumimoji="1" lang="ja-JP" altLang="en-US"/>
           </a:p>
@@ -4195,6 +4201,216 @@
           <a:p>
             <a:r>
               <a:rPr kumimoji="1" lang="ja-JP" altLang="en-US" sz="2000" dirty="0"/>
+              <a:t>作成した「</a:t>
+            </a:r>
+            <a:r>
+              <a:rPr kumimoji="1" lang="en-US" altLang="ja-JP" sz="2000" dirty="0"/>
+              <a:t>.csv</a:t>
+            </a:r>
+            <a:r>
+              <a:rPr kumimoji="1" lang="ja-JP" altLang="en-US" sz="2000" dirty="0"/>
+              <a:t>」ファイルを「メモ帳」で開く</a:t>
+            </a:r>
+          </a:p>
+        </p:txBody>
+      </p:sp>
+      <p:pic>
+        <p:nvPicPr>
+          <p:cNvPr id="5" name="図 4"/>
+          <p:cNvPicPr>
+            <a:picLocks noChangeAspect="1"/>
+          </p:cNvPicPr>
+          <p:nvPr/>
+        </p:nvPicPr>
+        <p:blipFill>
+          <a:blip r:embed="rId2"/>
+          <a:stretch>
+            <a:fillRect/>
+          </a:stretch>
+        </p:blipFill>
+        <p:spPr>
+          <a:xfrm>
+            <a:off x="1383689" y="2355601"/>
+            <a:ext cx="6376621" cy="3956298"/>
+          </a:xfrm>
+          <a:prstGeom prst="rect">
+            <a:avLst/>
+          </a:prstGeom>
+        </p:spPr>
+      </p:pic>
+    </p:spTree>
+    <p:extLst>
+      <p:ext uri="{BB962C8B-B14F-4D97-AF65-F5344CB8AC3E}">
+        <p14:creationId xmlns:p14="http://schemas.microsoft.com/office/powerpoint/2010/main" val="3120995936"/>
+      </p:ext>
+    </p:extLst>
+  </p:cSld>
+  <p:clrMapOvr>
+    <a:masterClrMapping/>
+  </p:clrMapOvr>
+</p:sld>
+</file>
+
+<file path=ppt/slides/slide11.xml><?xml version="1.0" encoding="utf-8"?>
+<p:sld xmlns:a="http://schemas.openxmlformats.org/drawingml/2006/main" xmlns:r="http://schemas.openxmlformats.org/officeDocument/2006/relationships" xmlns:p="http://schemas.openxmlformats.org/presentationml/2006/main">
+  <p:cSld>
+    <p:spTree>
+      <p:nvGrpSpPr>
+        <p:cNvPr id="1" name=""/>
+        <p:cNvGrpSpPr/>
+        <p:nvPr/>
+      </p:nvGrpSpPr>
+      <p:grpSpPr>
+        <a:xfrm>
+          <a:off x="0" y="0"/>
+          <a:ext cx="0" cy="0"/>
+          <a:chOff x="0" y="0"/>
+          <a:chExt cx="0" cy="0"/>
+        </a:xfrm>
+      </p:grpSpPr>
+      <p:sp>
+        <p:nvSpPr>
+          <p:cNvPr id="4" name="タイトル 3"/>
+          <p:cNvSpPr>
+            <a:spLocks noGrp="1"/>
+          </p:cNvSpPr>
+          <p:nvPr>
+            <p:ph type="title"/>
+          </p:nvPr>
+        </p:nvSpPr>
+        <p:spPr/>
+        <p:txBody>
+          <a:bodyPr/>
+          <a:lstStyle/>
+          <a:p>
+            <a:r>
+              <a:rPr lang="ja-JP" altLang="en-US" dirty="0"/>
+              <a:t>画像ラベルの作成</a:t>
+            </a:r>
+            <a:endParaRPr kumimoji="1" lang="ja-JP" altLang="en-US" dirty="0"/>
+          </a:p>
+        </p:txBody>
+      </p:sp>
+      <p:sp>
+        <p:nvSpPr>
+          <p:cNvPr id="6" name="縦書きテキスト プレースホルダー 5"/>
+          <p:cNvSpPr>
+            <a:spLocks noGrp="1"/>
+          </p:cNvSpPr>
+          <p:nvPr>
+            <p:ph type="body" orient="vert" idx="1"/>
+          </p:nvPr>
+        </p:nvSpPr>
+        <p:spPr/>
+        <p:txBody>
+          <a:bodyPr vert="horz">
+            <a:normAutofit/>
+          </a:bodyPr>
+          <a:lstStyle/>
+          <a:p>
+            <a:r>
+              <a:rPr kumimoji="1" lang="ja-JP" altLang="en-US" sz="2000" dirty="0"/>
+              <a:t>「編集」→「置換」</a:t>
+            </a:r>
+          </a:p>
+        </p:txBody>
+      </p:sp>
+      <p:pic>
+        <p:nvPicPr>
+          <p:cNvPr id="3" name="図 2"/>
+          <p:cNvPicPr>
+            <a:picLocks noChangeAspect="1"/>
+          </p:cNvPicPr>
+          <p:nvPr/>
+        </p:nvPicPr>
+        <p:blipFill>
+          <a:blip r:embed="rId2"/>
+          <a:stretch>
+            <a:fillRect/>
+          </a:stretch>
+        </p:blipFill>
+        <p:spPr>
+          <a:xfrm>
+            <a:off x="1383689" y="2355601"/>
+            <a:ext cx="6376622" cy="3956298"/>
+          </a:xfrm>
+          <a:prstGeom prst="rect">
+            <a:avLst/>
+          </a:prstGeom>
+        </p:spPr>
+      </p:pic>
+    </p:spTree>
+    <p:extLst>
+      <p:ext uri="{BB962C8B-B14F-4D97-AF65-F5344CB8AC3E}">
+        <p14:creationId xmlns:p14="http://schemas.microsoft.com/office/powerpoint/2010/main" val="2939302747"/>
+      </p:ext>
+    </p:extLst>
+  </p:cSld>
+  <p:clrMapOvr>
+    <a:masterClrMapping/>
+  </p:clrMapOvr>
+</p:sld>
+</file>
+
+<file path=ppt/slides/slide12.xml><?xml version="1.0" encoding="utf-8"?>
+<p:sld xmlns:a="http://schemas.openxmlformats.org/drawingml/2006/main" xmlns:r="http://schemas.openxmlformats.org/officeDocument/2006/relationships" xmlns:p="http://schemas.openxmlformats.org/presentationml/2006/main">
+  <p:cSld>
+    <p:spTree>
+      <p:nvGrpSpPr>
+        <p:cNvPr id="1" name=""/>
+        <p:cNvGrpSpPr/>
+        <p:nvPr/>
+      </p:nvGrpSpPr>
+      <p:grpSpPr>
+        <a:xfrm>
+          <a:off x="0" y="0"/>
+          <a:ext cx="0" cy="0"/>
+          <a:chOff x="0" y="0"/>
+          <a:chExt cx="0" cy="0"/>
+        </a:xfrm>
+      </p:grpSpPr>
+      <p:sp>
+        <p:nvSpPr>
+          <p:cNvPr id="4" name="タイトル 3"/>
+          <p:cNvSpPr>
+            <a:spLocks noGrp="1"/>
+          </p:cNvSpPr>
+          <p:nvPr>
+            <p:ph type="title"/>
+          </p:nvPr>
+        </p:nvSpPr>
+        <p:spPr/>
+        <p:txBody>
+          <a:bodyPr/>
+          <a:lstStyle/>
+          <a:p>
+            <a:r>
+              <a:rPr lang="ja-JP" altLang="en-US" dirty="0"/>
+              <a:t>画像ラベルの作成</a:t>
+            </a:r>
+            <a:endParaRPr kumimoji="1" lang="ja-JP" altLang="en-US" dirty="0"/>
+          </a:p>
+        </p:txBody>
+      </p:sp>
+      <p:sp>
+        <p:nvSpPr>
+          <p:cNvPr id="6" name="縦書きテキスト プレースホルダー 5"/>
+          <p:cNvSpPr>
+            <a:spLocks noGrp="1"/>
+          </p:cNvSpPr>
+          <p:nvPr>
+            <p:ph type="body" orient="vert" idx="1"/>
+          </p:nvPr>
+        </p:nvSpPr>
+        <p:spPr/>
+        <p:txBody>
+          <a:bodyPr vert="horz">
+            <a:normAutofit/>
+          </a:bodyPr>
+          <a:lstStyle/>
+          <a:p>
+            <a:r>
+              <a:rPr kumimoji="1" lang="ja-JP" altLang="en-US" sz="2000" dirty="0"/>
               <a:t>検索する文字列「</a:t>
             </a:r>
             <a:r>
@@ -4338,7 +4554,7 @@
 </p:sld>
 </file>
 
-<file path=ppt/slides/slide11.xml><?xml version="1.0" encoding="utf-8"?>
+<file path=ppt/slides/slide13.xml><?xml version="1.0" encoding="utf-8"?>
 <p:sld xmlns:a="http://schemas.openxmlformats.org/drawingml/2006/main" xmlns:r="http://schemas.openxmlformats.org/officeDocument/2006/relationships" xmlns:p="http://schemas.openxmlformats.org/presentationml/2006/main">
   <p:cSld>
     <p:spTree>
@@ -4460,7 +4676,31 @@
             </a:r>
             <a:r>
               <a:rPr kumimoji="1" lang="ja-JP" altLang="en-US" sz="2000" dirty="0"/>
-              <a:t>」形式で保存する</a:t>
+              <a:t>」形式</a:t>
+            </a:r>
+            <a:r>
+              <a:rPr kumimoji="1" lang="ja-JP" altLang="en-US" sz="2000" dirty="0" smtClean="0"/>
+              <a:t>で</a:t>
+            </a:r>
+            <a:r>
+              <a:rPr lang="ja-JP" altLang="en-US" sz="2000" dirty="0" smtClean="0"/>
+              <a:t>「</a:t>
+            </a:r>
+            <a:r>
+              <a:rPr lang="en-US" altLang="ja-JP" sz="2000" dirty="0" err="1" smtClean="0"/>
+              <a:t>label.txt</a:t>
+            </a:r>
+            <a:r>
+              <a:rPr lang="ja-JP" altLang="en-US" sz="2000" dirty="0" smtClean="0"/>
+              <a:t>」として</a:t>
+            </a:r>
+            <a:r>
+              <a:rPr kumimoji="1" lang="ja-JP" altLang="en-US" sz="2000" dirty="0" smtClean="0"/>
+              <a:t>保存</a:t>
+            </a:r>
+            <a:r>
+              <a:rPr kumimoji="1" lang="ja-JP" altLang="en-US" sz="2000" dirty="0"/>
+              <a:t>する</a:t>
             </a:r>
           </a:p>
         </p:txBody>
@@ -4524,7 +4764,7 @@
 </p:sld>
 </file>
 
-<file path=ppt/slides/slide12.xml><?xml version="1.0" encoding="utf-8"?>
+<file path=ppt/slides/slide14.xml><?xml version="1.0" encoding="utf-8"?>
 <p:sld xmlns:a="http://schemas.openxmlformats.org/drawingml/2006/main" xmlns:r="http://schemas.openxmlformats.org/officeDocument/2006/relationships" xmlns:p="http://schemas.openxmlformats.org/presentationml/2006/main">
   <p:cSld>
     <p:spTree>
@@ -4565,13 +4805,1030 @@
       </p:sp>
       <p:sp>
         <p:nvSpPr>
+          <p:cNvPr id="9" name="テキスト ボックス 8"/>
+          <p:cNvSpPr txBox="1"/>
+          <p:nvPr/>
+        </p:nvSpPr>
+        <p:spPr>
+          <a:xfrm>
+            <a:off x="2009439" y="2741574"/>
+            <a:ext cx="5125121" cy="523220"/>
+          </a:xfrm>
+          <a:prstGeom prst="rect">
+            <a:avLst/>
+          </a:prstGeom>
+          <a:noFill/>
+        </p:spPr>
+        <p:txBody>
+          <a:bodyPr wrap="none" rtlCol="0">
+            <a:spAutoFit/>
+          </a:bodyPr>
+          <a:lstStyle/>
+          <a:p>
+            <a:r>
+              <a:rPr kumimoji="1" lang="ja-JP" altLang="en-US" sz="2800" dirty="0"/>
+              <a:t>次は</a:t>
+            </a:r>
+            <a:r>
+              <a:rPr kumimoji="1" lang="en-US" altLang="ja-JP" sz="2800" dirty="0"/>
+              <a:t>Mac</a:t>
+            </a:r>
+            <a:r>
+              <a:rPr kumimoji="1" lang="ja-JP" altLang="en-US" sz="2800" dirty="0"/>
+              <a:t>上での操作になります</a:t>
+            </a:r>
+          </a:p>
+        </p:txBody>
+      </p:sp>
+    </p:spTree>
+    <p:extLst>
+      <p:ext uri="{BB962C8B-B14F-4D97-AF65-F5344CB8AC3E}">
+        <p14:creationId xmlns:p14="http://schemas.microsoft.com/office/powerpoint/2010/main" val="2279218834"/>
+      </p:ext>
+    </p:extLst>
+  </p:cSld>
+  <p:clrMapOvr>
+    <a:masterClrMapping/>
+  </p:clrMapOvr>
+</p:sld>
+</file>
+
+<file path=ppt/slides/slide15.xml><?xml version="1.0" encoding="utf-8"?>
+<p:sld xmlns:a="http://schemas.openxmlformats.org/drawingml/2006/main" xmlns:r="http://schemas.openxmlformats.org/officeDocument/2006/relationships" xmlns:p="http://schemas.openxmlformats.org/presentationml/2006/main">
+  <p:cSld>
+    <p:spTree>
+      <p:nvGrpSpPr>
+        <p:cNvPr id="1" name=""/>
+        <p:cNvGrpSpPr/>
+        <p:nvPr/>
+      </p:nvGrpSpPr>
+      <p:grpSpPr>
+        <a:xfrm>
+          <a:off x="0" y="0"/>
+          <a:ext cx="0" cy="0"/>
+          <a:chOff x="0" y="0"/>
+          <a:chExt cx="0" cy="0"/>
+        </a:xfrm>
+      </p:grpSpPr>
+      <p:sp>
+        <p:nvSpPr>
+          <p:cNvPr id="2" name="タイトル 1"/>
+          <p:cNvSpPr>
+            <a:spLocks noGrp="1"/>
+          </p:cNvSpPr>
+          <p:nvPr>
+            <p:ph type="title"/>
+          </p:nvPr>
+        </p:nvSpPr>
+        <p:spPr/>
+        <p:txBody>
+          <a:bodyPr/>
+          <a:lstStyle/>
+          <a:p>
+            <a:r>
+              <a:rPr kumimoji="1" lang="ja-JP" altLang="en-US" dirty="0"/>
+              <a:t>作成したデータを配置</a:t>
+            </a:r>
+          </a:p>
+        </p:txBody>
+      </p:sp>
+      <p:pic>
+        <p:nvPicPr>
+          <p:cNvPr id="3" name="図 2"/>
+          <p:cNvPicPr>
+            <a:picLocks noChangeAspect="1"/>
+          </p:cNvPicPr>
+          <p:nvPr/>
+        </p:nvPicPr>
+        <p:blipFill>
+          <a:blip r:embed="rId2"/>
+          <a:stretch>
+            <a:fillRect/>
+          </a:stretch>
+        </p:blipFill>
+        <p:spPr>
+          <a:xfrm>
+            <a:off x="354958" y="1690689"/>
+            <a:ext cx="5476875" cy="2085975"/>
+          </a:xfrm>
+          <a:prstGeom prst="rect">
+            <a:avLst/>
+          </a:prstGeom>
+        </p:spPr>
+      </p:pic>
+      <p:pic>
+        <p:nvPicPr>
+          <p:cNvPr id="6" name="図 5"/>
+          <p:cNvPicPr>
+            <a:picLocks noChangeAspect="1"/>
+          </p:cNvPicPr>
+          <p:nvPr/>
+        </p:nvPicPr>
+        <p:blipFill>
+          <a:blip r:embed="rId3"/>
+          <a:stretch>
+            <a:fillRect/>
+          </a:stretch>
+        </p:blipFill>
+        <p:spPr>
+          <a:xfrm>
+            <a:off x="981075" y="3891686"/>
+            <a:ext cx="8401050" cy="5219700"/>
+          </a:xfrm>
+          <a:prstGeom prst="rect">
+            <a:avLst/>
+          </a:prstGeom>
+        </p:spPr>
+      </p:pic>
+      <p:sp>
+        <p:nvSpPr>
+          <p:cNvPr id="7" name="テキスト ボックス 6"/>
+          <p:cNvSpPr txBox="1"/>
+          <p:nvPr/>
+        </p:nvSpPr>
+        <p:spPr>
+          <a:xfrm>
+            <a:off x="5831833" y="3307887"/>
+            <a:ext cx="1778051" cy="369332"/>
+          </a:xfrm>
+          <a:prstGeom prst="rect">
+            <a:avLst/>
+          </a:prstGeom>
+          <a:noFill/>
+        </p:spPr>
+        <p:txBody>
+          <a:bodyPr wrap="none" rtlCol="0">
+            <a:spAutoFit/>
+          </a:bodyPr>
+          <a:lstStyle/>
+          <a:p>
+            <a:r>
+              <a:rPr kumimoji="1" lang="ja-JP" altLang="en-US" dirty="0">
+                <a:solidFill>
+                  <a:srgbClr val="FF0000"/>
+                </a:solidFill>
+              </a:rPr>
+              <a:t>←ホームを開く</a:t>
+            </a:r>
+          </a:p>
+        </p:txBody>
+      </p:sp>
+      <p:sp>
+        <p:nvSpPr>
+          <p:cNvPr id="8" name="テキスト ボックス 7"/>
+          <p:cNvSpPr txBox="1"/>
+          <p:nvPr/>
+        </p:nvSpPr>
+        <p:spPr>
+          <a:xfrm>
+            <a:off x="3682974" y="5608329"/>
+            <a:ext cx="2786340" cy="369332"/>
+          </a:xfrm>
+          <a:prstGeom prst="rect">
+            <a:avLst/>
+          </a:prstGeom>
+          <a:noFill/>
+        </p:spPr>
+        <p:txBody>
+          <a:bodyPr wrap="none" rtlCol="0">
+            <a:spAutoFit/>
+          </a:bodyPr>
+          <a:lstStyle/>
+          <a:p>
+            <a:r>
+              <a:rPr kumimoji="1" lang="ja-JP" altLang="en-US" dirty="0">
+                <a:solidFill>
+                  <a:srgbClr val="FF0000"/>
+                </a:solidFill>
+              </a:rPr>
+              <a:t>↑「</a:t>
+            </a:r>
+            <a:r>
+              <a:rPr kumimoji="1" lang="en-US" altLang="ja-JP" dirty="0">
+                <a:solidFill>
+                  <a:srgbClr val="FF0000"/>
+                </a:solidFill>
+              </a:rPr>
+              <a:t>Seminar2016</a:t>
+            </a:r>
+            <a:r>
+              <a:rPr kumimoji="1" lang="ja-JP" altLang="en-US" dirty="0">
+                <a:solidFill>
+                  <a:srgbClr val="FF0000"/>
+                </a:solidFill>
+              </a:rPr>
+              <a:t>」を開く</a:t>
+            </a:r>
+          </a:p>
+        </p:txBody>
+      </p:sp>
+    </p:spTree>
+    <p:extLst>
+      <p:ext uri="{BB962C8B-B14F-4D97-AF65-F5344CB8AC3E}">
+        <p14:creationId xmlns:p14="http://schemas.microsoft.com/office/powerpoint/2010/main" val="2992390555"/>
+      </p:ext>
+    </p:extLst>
+  </p:cSld>
+  <p:clrMapOvr>
+    <a:masterClrMapping/>
+  </p:clrMapOvr>
+</p:sld>
+</file>
+
+<file path=ppt/slides/slide16.xml><?xml version="1.0" encoding="utf-8"?>
+<p:sld xmlns:a="http://schemas.openxmlformats.org/drawingml/2006/main" xmlns:r="http://schemas.openxmlformats.org/officeDocument/2006/relationships" xmlns:p="http://schemas.openxmlformats.org/presentationml/2006/main">
+  <p:cSld>
+    <p:spTree>
+      <p:nvGrpSpPr>
+        <p:cNvPr id="1" name=""/>
+        <p:cNvGrpSpPr/>
+        <p:nvPr/>
+      </p:nvGrpSpPr>
+      <p:grpSpPr>
+        <a:xfrm>
+          <a:off x="0" y="0"/>
+          <a:ext cx="0" cy="0"/>
+          <a:chOff x="0" y="0"/>
+          <a:chExt cx="0" cy="0"/>
+        </a:xfrm>
+      </p:grpSpPr>
+      <p:sp>
+        <p:nvSpPr>
+          <p:cNvPr id="2" name="タイトル 1"/>
+          <p:cNvSpPr>
+            <a:spLocks noGrp="1"/>
+          </p:cNvSpPr>
+          <p:nvPr>
+            <p:ph type="title"/>
+          </p:nvPr>
+        </p:nvSpPr>
+        <p:spPr/>
+        <p:txBody>
+          <a:bodyPr/>
+          <a:lstStyle/>
+          <a:p>
+            <a:r>
+              <a:rPr kumimoji="1" lang="ja-JP" altLang="en-US" dirty="0"/>
+              <a:t>作成したデータを配置</a:t>
+            </a:r>
+          </a:p>
+        </p:txBody>
+      </p:sp>
+      <p:grpSp>
+        <p:nvGrpSpPr>
+          <p:cNvPr id="4" name="グループ化 3"/>
+          <p:cNvGrpSpPr/>
+          <p:nvPr/>
+        </p:nvGrpSpPr>
+        <p:grpSpPr>
+          <a:xfrm>
+            <a:off x="1612211" y="1852285"/>
+            <a:ext cx="6119132" cy="2129165"/>
+            <a:chOff x="1763485" y="4817158"/>
+            <a:chExt cx="5203372" cy="1515847"/>
+          </a:xfrm>
+        </p:grpSpPr>
+        <p:sp>
+          <p:nvSpPr>
+            <p:cNvPr id="9" name="正方形/長方形 8"/>
+            <p:cNvSpPr/>
+            <p:nvPr/>
+          </p:nvSpPr>
+          <p:spPr>
+            <a:xfrm>
+              <a:off x="4267200" y="4817158"/>
+              <a:ext cx="2699657" cy="1515847"/>
+            </a:xfrm>
+            <a:prstGeom prst="rect">
+              <a:avLst/>
+            </a:prstGeom>
+            <a:ln>
+              <a:solidFill>
+                <a:srgbClr val="7030A0"/>
+              </a:solidFill>
+            </a:ln>
+          </p:spPr>
+          <p:style>
+            <a:lnRef idx="2">
+              <a:schemeClr val="accent2"/>
+            </a:lnRef>
+            <a:fillRef idx="1">
+              <a:schemeClr val="lt1"/>
+            </a:fillRef>
+            <a:effectRef idx="0">
+              <a:schemeClr val="accent2"/>
+            </a:effectRef>
+            <a:fontRef idx="minor">
+              <a:schemeClr val="dk1"/>
+            </a:fontRef>
+          </p:style>
+          <p:txBody>
+            <a:bodyPr rtlCol="0" anchor="b"/>
+            <a:lstStyle/>
+            <a:p>
+              <a:pPr algn="ctr"/>
+              <a:r>
+                <a:rPr kumimoji="1" lang="en-US" altLang="ja-JP" dirty="0"/>
+                <a:t>Docker</a:t>
+              </a:r>
+              <a:endParaRPr kumimoji="1" lang="ja-JP" altLang="en-US" dirty="0"/>
+            </a:p>
+          </p:txBody>
+        </p:sp>
+        <p:sp>
+          <p:nvSpPr>
+            <p:cNvPr id="10" name="円柱 9"/>
+            <p:cNvSpPr/>
+            <p:nvPr/>
+          </p:nvSpPr>
+          <p:spPr>
+            <a:xfrm>
+              <a:off x="3807316" y="4862591"/>
+              <a:ext cx="901113" cy="1273628"/>
+            </a:xfrm>
+            <a:prstGeom prst="can">
+              <a:avLst/>
+            </a:prstGeom>
+          </p:spPr>
+          <p:style>
+            <a:lnRef idx="2">
+              <a:schemeClr val="accent3">
+                <a:shade val="50000"/>
+              </a:schemeClr>
+            </a:lnRef>
+            <a:fillRef idx="1">
+              <a:schemeClr val="accent3"/>
+            </a:fillRef>
+            <a:effectRef idx="0">
+              <a:schemeClr val="accent3"/>
+            </a:effectRef>
+            <a:fontRef idx="minor">
+              <a:schemeClr val="lt1"/>
+            </a:fontRef>
+          </p:style>
+          <p:txBody>
+            <a:bodyPr rtlCol="0" anchor="ctr"/>
+            <a:lstStyle/>
+            <a:p>
+              <a:pPr algn="ctr"/>
+              <a:endParaRPr kumimoji="1" lang="ja-JP" altLang="en-US" dirty="0"/>
+            </a:p>
+          </p:txBody>
+        </p:sp>
+        <p:sp>
+          <p:nvSpPr>
+            <p:cNvPr id="11" name="正方形/長方形 10"/>
+            <p:cNvSpPr/>
+            <p:nvPr/>
+          </p:nvSpPr>
+          <p:spPr>
+            <a:xfrm>
+              <a:off x="1763485" y="5015031"/>
+              <a:ext cx="1208315" cy="1006626"/>
+            </a:xfrm>
+            <a:prstGeom prst="rect">
+              <a:avLst/>
+            </a:prstGeom>
+          </p:spPr>
+          <p:style>
+            <a:lnRef idx="2">
+              <a:schemeClr val="accent6"/>
+            </a:lnRef>
+            <a:fillRef idx="1">
+              <a:schemeClr val="lt1"/>
+            </a:fillRef>
+            <a:effectRef idx="0">
+              <a:schemeClr val="accent6"/>
+            </a:effectRef>
+            <a:fontRef idx="minor">
+              <a:schemeClr val="dk1"/>
+            </a:fontRef>
+          </p:style>
+          <p:txBody>
+            <a:bodyPr rtlCol="0" anchor="ctr"/>
+            <a:lstStyle/>
+            <a:p>
+              <a:pPr algn="ctr"/>
+              <a:r>
+                <a:rPr kumimoji="1" lang="en-US" altLang="ja-JP" dirty="0"/>
+                <a:t>Mac OS X</a:t>
+              </a:r>
+            </a:p>
+            <a:p>
+              <a:pPr algn="ctr"/>
+              <a:r>
+                <a:rPr lang="en-US" altLang="ja-JP" dirty="0"/>
+                <a:t>(</a:t>
+              </a:r>
+              <a:r>
+                <a:rPr lang="ja-JP" altLang="en-US" dirty="0"/>
+                <a:t>ホスト</a:t>
+              </a:r>
+              <a:r>
+                <a:rPr lang="en-US" altLang="ja-JP" dirty="0"/>
+                <a:t>)</a:t>
+              </a:r>
+              <a:endParaRPr kumimoji="1" lang="ja-JP" altLang="en-US" dirty="0"/>
+            </a:p>
+          </p:txBody>
+        </p:sp>
+        <p:sp>
+          <p:nvSpPr>
+            <p:cNvPr id="12" name="正方形/長方形 11"/>
+            <p:cNvSpPr/>
+            <p:nvPr/>
+          </p:nvSpPr>
+          <p:spPr>
+            <a:xfrm>
+              <a:off x="5543945" y="4996092"/>
+              <a:ext cx="1208315" cy="1006626"/>
+            </a:xfrm>
+            <a:prstGeom prst="rect">
+              <a:avLst/>
+            </a:prstGeom>
+          </p:spPr>
+          <p:style>
+            <a:lnRef idx="2">
+              <a:schemeClr val="accent4"/>
+            </a:lnRef>
+            <a:fillRef idx="1">
+              <a:schemeClr val="lt1"/>
+            </a:fillRef>
+            <a:effectRef idx="0">
+              <a:schemeClr val="accent4"/>
+            </a:effectRef>
+            <a:fontRef idx="minor">
+              <a:schemeClr val="dk1"/>
+            </a:fontRef>
+          </p:style>
+          <p:txBody>
+            <a:bodyPr rtlCol="0" anchor="ctr"/>
+            <a:lstStyle/>
+            <a:p>
+              <a:pPr algn="ctr"/>
+              <a:r>
+                <a:rPr kumimoji="1" lang="en-US" altLang="ja-JP" dirty="0"/>
+                <a:t>Ubuntu</a:t>
+              </a:r>
+            </a:p>
+            <a:p>
+              <a:pPr algn="ctr"/>
+              <a:r>
+                <a:rPr lang="en-US" altLang="ja-JP" dirty="0"/>
+                <a:t>(</a:t>
+              </a:r>
+              <a:r>
+                <a:rPr lang="ja-JP" altLang="en-US" dirty="0"/>
+                <a:t>ゲスト</a:t>
+              </a:r>
+              <a:r>
+                <a:rPr lang="en-US" altLang="ja-JP" dirty="0"/>
+                <a:t>)</a:t>
+              </a:r>
+              <a:endParaRPr kumimoji="1" lang="ja-JP" altLang="en-US" dirty="0"/>
+            </a:p>
+          </p:txBody>
+        </p:sp>
+        <p:cxnSp>
+          <p:nvCxnSpPr>
+            <p:cNvPr id="13" name="直線矢印コネクタ 12"/>
+            <p:cNvCxnSpPr/>
+            <p:nvPr/>
+          </p:nvCxnSpPr>
+          <p:spPr>
+            <a:xfrm>
+              <a:off x="2971800" y="5227565"/>
+              <a:ext cx="835516" cy="0"/>
+            </a:xfrm>
+            <a:prstGeom prst="straightConnector1">
+              <a:avLst/>
+            </a:prstGeom>
+            <a:ln>
+              <a:tailEnd type="triangle"/>
+            </a:ln>
+          </p:spPr>
+          <p:style>
+            <a:lnRef idx="1">
+              <a:schemeClr val="accent1"/>
+            </a:lnRef>
+            <a:fillRef idx="0">
+              <a:schemeClr val="accent1"/>
+            </a:fillRef>
+            <a:effectRef idx="0">
+              <a:schemeClr val="accent1"/>
+            </a:effectRef>
+            <a:fontRef idx="minor">
+              <a:schemeClr val="tx1"/>
+            </a:fontRef>
+          </p:style>
+        </p:cxnSp>
+        <p:cxnSp>
+          <p:nvCxnSpPr>
+            <p:cNvPr id="14" name="直線矢印コネクタ 13"/>
+            <p:cNvCxnSpPr/>
+            <p:nvPr/>
+          </p:nvCxnSpPr>
+          <p:spPr>
+            <a:xfrm>
+              <a:off x="4722530" y="5238451"/>
+              <a:ext cx="835516" cy="0"/>
+            </a:xfrm>
+            <a:prstGeom prst="straightConnector1">
+              <a:avLst/>
+            </a:prstGeom>
+            <a:ln>
+              <a:tailEnd type="triangle"/>
+            </a:ln>
+          </p:spPr>
+          <p:style>
+            <a:lnRef idx="1">
+              <a:schemeClr val="accent1"/>
+            </a:lnRef>
+            <a:fillRef idx="0">
+              <a:schemeClr val="accent1"/>
+            </a:fillRef>
+            <a:effectRef idx="0">
+              <a:schemeClr val="accent1"/>
+            </a:effectRef>
+            <a:fontRef idx="minor">
+              <a:schemeClr val="tx1"/>
+            </a:fontRef>
+          </p:style>
+        </p:cxnSp>
+        <p:cxnSp>
+          <p:nvCxnSpPr>
+            <p:cNvPr id="15" name="直線矢印コネクタ 14"/>
+            <p:cNvCxnSpPr/>
+            <p:nvPr/>
+          </p:nvCxnSpPr>
+          <p:spPr>
+            <a:xfrm flipH="1">
+              <a:off x="2971800" y="5739194"/>
+              <a:ext cx="835516" cy="0"/>
+            </a:xfrm>
+            <a:prstGeom prst="straightConnector1">
+              <a:avLst/>
+            </a:prstGeom>
+            <a:ln>
+              <a:tailEnd type="triangle"/>
+            </a:ln>
+          </p:spPr>
+          <p:style>
+            <a:lnRef idx="1">
+              <a:schemeClr val="accent1"/>
+            </a:lnRef>
+            <a:fillRef idx="0">
+              <a:schemeClr val="accent1"/>
+            </a:fillRef>
+            <a:effectRef idx="0">
+              <a:schemeClr val="accent1"/>
+            </a:effectRef>
+            <a:fontRef idx="minor">
+              <a:schemeClr val="tx1"/>
+            </a:fontRef>
+          </p:style>
+        </p:cxnSp>
+        <p:cxnSp>
+          <p:nvCxnSpPr>
+            <p:cNvPr id="16" name="直線矢印コネクタ 15"/>
+            <p:cNvCxnSpPr/>
+            <p:nvPr/>
+          </p:nvCxnSpPr>
+          <p:spPr>
+            <a:xfrm flipH="1">
+              <a:off x="4722530" y="5739194"/>
+              <a:ext cx="835516" cy="0"/>
+            </a:xfrm>
+            <a:prstGeom prst="straightConnector1">
+              <a:avLst/>
+            </a:prstGeom>
+            <a:ln>
+              <a:tailEnd type="triangle"/>
+            </a:ln>
+          </p:spPr>
+          <p:style>
+            <a:lnRef idx="1">
+              <a:schemeClr val="accent1"/>
+            </a:lnRef>
+            <a:fillRef idx="0">
+              <a:schemeClr val="accent1"/>
+            </a:fillRef>
+            <a:effectRef idx="0">
+              <a:schemeClr val="accent1"/>
+            </a:effectRef>
+            <a:fontRef idx="minor">
+              <a:schemeClr val="tx1"/>
+            </a:fontRef>
+          </p:style>
+        </p:cxnSp>
+        <p:sp>
+          <p:nvSpPr>
+            <p:cNvPr id="17" name="テキスト ボックス 16"/>
+            <p:cNvSpPr txBox="1"/>
+            <p:nvPr/>
+          </p:nvSpPr>
+          <p:spPr>
+            <a:xfrm>
+              <a:off x="2959082" y="5322327"/>
+              <a:ext cx="1011815" cy="461665"/>
+            </a:xfrm>
+            <a:prstGeom prst="rect">
+              <a:avLst/>
+            </a:prstGeom>
+            <a:noFill/>
+          </p:spPr>
+          <p:txBody>
+            <a:bodyPr wrap="none" rtlCol="0">
+              <a:spAutoFit/>
+            </a:bodyPr>
+            <a:lstStyle/>
+            <a:p>
+              <a:r>
+                <a:rPr kumimoji="1" lang="en-US" altLang="ja-JP" sz="1200" dirty="0">
+                  <a:solidFill>
+                    <a:schemeClr val="accent1"/>
+                  </a:solidFill>
+                </a:rPr>
+                <a:t>Seminar2016</a:t>
+              </a:r>
+            </a:p>
+            <a:p>
+              <a:r>
+                <a:rPr lang="ja-JP" altLang="en-US" sz="1200" dirty="0"/>
+                <a:t>として見える</a:t>
+              </a:r>
+              <a:endParaRPr kumimoji="1" lang="ja-JP" altLang="en-US" sz="1200" dirty="0"/>
+            </a:p>
+          </p:txBody>
+        </p:sp>
+        <p:sp>
+          <p:nvSpPr>
+            <p:cNvPr id="18" name="テキスト ボックス 17"/>
+            <p:cNvSpPr txBox="1"/>
+            <p:nvPr/>
+          </p:nvSpPr>
+          <p:spPr>
+            <a:xfrm>
+              <a:off x="4672608" y="5322327"/>
+              <a:ext cx="987771" cy="461665"/>
+            </a:xfrm>
+            <a:prstGeom prst="rect">
+              <a:avLst/>
+            </a:prstGeom>
+            <a:noFill/>
+          </p:spPr>
+          <p:txBody>
+            <a:bodyPr wrap="none" rtlCol="0">
+              <a:spAutoFit/>
+            </a:bodyPr>
+            <a:lstStyle/>
+            <a:p>
+              <a:r>
+                <a:rPr lang="en-US" altLang="ja-JP" sz="1200" dirty="0">
+                  <a:solidFill>
+                    <a:srgbClr val="FF0000"/>
+                  </a:solidFill>
+                </a:rPr>
+                <a:t>/</a:t>
+              </a:r>
+              <a:r>
+                <a:rPr lang="en-US" altLang="ja-JP" sz="1200" dirty="0" err="1">
+                  <a:solidFill>
+                    <a:srgbClr val="FF0000"/>
+                  </a:solidFill>
+                </a:rPr>
+                <a:t>mnt</a:t>
+              </a:r>
+              <a:endParaRPr lang="en-US" altLang="ja-JP" sz="1200" dirty="0">
+                <a:solidFill>
+                  <a:srgbClr val="FF0000"/>
+                </a:solidFill>
+              </a:endParaRPr>
+            </a:p>
+            <a:p>
+              <a:r>
+                <a:rPr lang="ja-JP" altLang="en-US" sz="1200" dirty="0"/>
+                <a:t>として見える</a:t>
+              </a:r>
+              <a:endParaRPr kumimoji="1" lang="ja-JP" altLang="en-US" sz="1200" dirty="0"/>
+            </a:p>
+          </p:txBody>
+        </p:sp>
+      </p:grpSp>
+      <p:sp>
+        <p:nvSpPr>
+          <p:cNvPr id="5" name="正方形/長方形 4"/>
+          <p:cNvSpPr/>
+          <p:nvPr/>
+        </p:nvSpPr>
+        <p:spPr>
+          <a:xfrm>
+            <a:off x="3001502" y="2533272"/>
+            <a:ext cx="1100170" cy="512645"/>
+          </a:xfrm>
+          <a:prstGeom prst="rect">
+            <a:avLst/>
+          </a:prstGeom>
+          <a:noFill/>
+          <a:ln w="38100">
+            <a:solidFill>
+              <a:srgbClr val="FF0000"/>
+            </a:solidFill>
+          </a:ln>
+        </p:spPr>
+        <p:style>
+          <a:lnRef idx="2">
+            <a:schemeClr val="accent1">
+              <a:shade val="50000"/>
+            </a:schemeClr>
+          </a:lnRef>
+          <a:fillRef idx="1">
+            <a:schemeClr val="accent1"/>
+          </a:fillRef>
+          <a:effectRef idx="0">
+            <a:schemeClr val="accent1"/>
+          </a:effectRef>
+          <a:fontRef idx="minor">
+            <a:schemeClr val="lt1"/>
+          </a:fontRef>
+        </p:style>
+        <p:txBody>
+          <a:bodyPr rtlCol="0" anchor="ctr"/>
+          <a:lstStyle/>
+          <a:p>
+            <a:pPr algn="ctr"/>
+            <a:endParaRPr kumimoji="1" lang="ja-JP" altLang="en-US"/>
+          </a:p>
+        </p:txBody>
+      </p:sp>
+      <p:sp>
+        <p:nvSpPr>
+          <p:cNvPr id="19" name="正方形/長方形 18"/>
+          <p:cNvSpPr/>
+          <p:nvPr/>
+        </p:nvSpPr>
+        <p:spPr>
+          <a:xfrm>
+            <a:off x="5024934" y="2554986"/>
+            <a:ext cx="1100170" cy="490931"/>
+          </a:xfrm>
+          <a:prstGeom prst="rect">
+            <a:avLst/>
+          </a:prstGeom>
+          <a:noFill/>
+          <a:ln w="38100">
+            <a:solidFill>
+              <a:srgbClr val="FF0000"/>
+            </a:solidFill>
+          </a:ln>
+        </p:spPr>
+        <p:style>
+          <a:lnRef idx="2">
+            <a:schemeClr val="accent1">
+              <a:shade val="50000"/>
+            </a:schemeClr>
+          </a:lnRef>
+          <a:fillRef idx="1">
+            <a:schemeClr val="accent1"/>
+          </a:fillRef>
+          <a:effectRef idx="0">
+            <a:schemeClr val="accent1"/>
+          </a:effectRef>
+          <a:fontRef idx="minor">
+            <a:schemeClr val="lt1"/>
+          </a:fontRef>
+        </p:style>
+        <p:txBody>
+          <a:bodyPr rtlCol="0" anchor="ctr"/>
+          <a:lstStyle/>
+          <a:p>
+            <a:pPr algn="ctr"/>
+            <a:endParaRPr kumimoji="1" lang="ja-JP" altLang="en-US"/>
+          </a:p>
+        </p:txBody>
+      </p:sp>
+      <p:sp>
+        <p:nvSpPr>
+          <p:cNvPr id="20" name="テキスト ボックス 19"/>
+          <p:cNvSpPr txBox="1"/>
+          <p:nvPr/>
+        </p:nvSpPr>
+        <p:spPr>
+          <a:xfrm>
+            <a:off x="1219200" y="4435670"/>
+            <a:ext cx="6647974" cy="369332"/>
+          </a:xfrm>
+          <a:prstGeom prst="rect">
+            <a:avLst/>
+          </a:prstGeom>
+          <a:noFill/>
+        </p:spPr>
+        <p:txBody>
+          <a:bodyPr wrap="none" rtlCol="0">
+            <a:spAutoFit/>
+          </a:bodyPr>
+          <a:lstStyle/>
+          <a:p>
+            <a:r>
+              <a:rPr kumimoji="1" lang="en-US" altLang="ja-JP" dirty="0"/>
+              <a:t>※</a:t>
+            </a:r>
+            <a:r>
+              <a:rPr kumimoji="1" lang="ja-JP" altLang="en-US" dirty="0"/>
+              <a:t>見え方はそれぞれ異なるが、扱っている場所はすべて同じ。</a:t>
+            </a:r>
+          </a:p>
+        </p:txBody>
+      </p:sp>
+    </p:spTree>
+    <p:extLst>
+      <p:ext uri="{BB962C8B-B14F-4D97-AF65-F5344CB8AC3E}">
+        <p14:creationId xmlns:p14="http://schemas.microsoft.com/office/powerpoint/2010/main" val="4216031769"/>
+      </p:ext>
+    </p:extLst>
+  </p:cSld>
+  <p:clrMapOvr>
+    <a:masterClrMapping/>
+  </p:clrMapOvr>
+</p:sld>
+</file>
+
+<file path=ppt/slides/slide17.xml><?xml version="1.0" encoding="utf-8"?>
+<p:sld xmlns:a="http://schemas.openxmlformats.org/drawingml/2006/main" xmlns:r="http://schemas.openxmlformats.org/officeDocument/2006/relationships" xmlns:p="http://schemas.openxmlformats.org/presentationml/2006/main">
+  <p:cSld>
+    <p:spTree>
+      <p:nvGrpSpPr>
+        <p:cNvPr id="1" name=""/>
+        <p:cNvGrpSpPr/>
+        <p:nvPr/>
+      </p:nvGrpSpPr>
+      <p:grpSpPr>
+        <a:xfrm>
+          <a:off x="0" y="0"/>
+          <a:ext cx="0" cy="0"/>
+          <a:chOff x="0" y="0"/>
+          <a:chExt cx="0" cy="0"/>
+        </a:xfrm>
+      </p:grpSpPr>
+      <p:sp>
+        <p:nvSpPr>
+          <p:cNvPr id="2" name="タイトル 1"/>
+          <p:cNvSpPr>
+            <a:spLocks noGrp="1"/>
+          </p:cNvSpPr>
+          <p:nvPr>
+            <p:ph type="title"/>
+          </p:nvPr>
+        </p:nvSpPr>
+        <p:spPr/>
+        <p:txBody>
+          <a:bodyPr/>
+          <a:lstStyle/>
+          <a:p>
+            <a:r>
+              <a:rPr kumimoji="1" lang="ja-JP" altLang="en-US" dirty="0"/>
+              <a:t>作成したデータを配置</a:t>
+            </a:r>
+          </a:p>
+        </p:txBody>
+      </p:sp>
+      <p:pic>
+        <p:nvPicPr>
+          <p:cNvPr id="3" name="図 2"/>
+          <p:cNvPicPr>
+            <a:picLocks noChangeAspect="1"/>
+          </p:cNvPicPr>
+          <p:nvPr/>
+        </p:nvPicPr>
+        <p:blipFill rotWithShape="1">
+          <a:blip r:embed="rId2"/>
+          <a:srcRect l="-1" r="40668"/>
+          <a:stretch/>
+        </p:blipFill>
+        <p:spPr>
+          <a:xfrm>
+            <a:off x="-228311" y="1027907"/>
+            <a:ext cx="4661766" cy="6269614"/>
+          </a:xfrm>
+          <a:prstGeom prst="rect">
+            <a:avLst/>
+          </a:prstGeom>
+        </p:spPr>
+      </p:pic>
+      <p:sp>
+        <p:nvSpPr>
+          <p:cNvPr id="6" name="テキスト ボックス 5"/>
+          <p:cNvSpPr txBox="1"/>
+          <p:nvPr/>
+        </p:nvSpPr>
+        <p:spPr>
+          <a:xfrm>
+            <a:off x="4433455" y="5624943"/>
+            <a:ext cx="4758034" cy="369332"/>
+          </a:xfrm>
+          <a:prstGeom prst="rect">
+            <a:avLst/>
+          </a:prstGeom>
+          <a:noFill/>
+        </p:spPr>
+        <p:txBody>
+          <a:bodyPr wrap="none" rtlCol="0">
+            <a:spAutoFit/>
+          </a:bodyPr>
+          <a:lstStyle/>
+          <a:p>
+            <a:r>
+              <a:rPr kumimoji="1" lang="ja-JP" altLang="en-US" dirty="0"/>
+              <a:t>←「</a:t>
+            </a:r>
+            <a:r>
+              <a:rPr kumimoji="1" lang="en-US" altLang="ja-JP" dirty="0"/>
+              <a:t>seminar2016</a:t>
+            </a:r>
+            <a:r>
+              <a:rPr kumimoji="1" lang="ja-JP" altLang="en-US" dirty="0"/>
+              <a:t>」</a:t>
+            </a:r>
+            <a:r>
+              <a:rPr kumimoji="1" lang="en-US" altLang="ja-JP" dirty="0"/>
+              <a:t>(</a:t>
+            </a:r>
+            <a:r>
+              <a:rPr kumimoji="1" lang="ja-JP" altLang="en-US" dirty="0"/>
+              <a:t>全部小文字で</a:t>
+            </a:r>
+            <a:r>
+              <a:rPr kumimoji="1" lang="en-US" altLang="ja-JP" dirty="0"/>
+              <a:t>)</a:t>
+            </a:r>
+            <a:r>
+              <a:rPr kumimoji="1" lang="ja-JP" altLang="en-US" dirty="0"/>
+              <a:t>を作成する</a:t>
+            </a:r>
+          </a:p>
+        </p:txBody>
+      </p:sp>
+    </p:spTree>
+    <p:extLst>
+      <p:ext uri="{BB962C8B-B14F-4D97-AF65-F5344CB8AC3E}">
+        <p14:creationId xmlns:p14="http://schemas.microsoft.com/office/powerpoint/2010/main" val="2911295279"/>
+      </p:ext>
+    </p:extLst>
+  </p:cSld>
+  <p:clrMapOvr>
+    <a:masterClrMapping/>
+  </p:clrMapOvr>
+</p:sld>
+</file>
+
+<file path=ppt/slides/slide18.xml><?xml version="1.0" encoding="utf-8"?>
+<p:sld xmlns:a="http://schemas.openxmlformats.org/drawingml/2006/main" xmlns:r="http://schemas.openxmlformats.org/officeDocument/2006/relationships" xmlns:p="http://schemas.openxmlformats.org/presentationml/2006/main">
+  <p:cSld>
+    <p:spTree>
+      <p:nvGrpSpPr>
+        <p:cNvPr id="1" name=""/>
+        <p:cNvGrpSpPr/>
+        <p:nvPr/>
+      </p:nvGrpSpPr>
+      <p:grpSpPr>
+        <a:xfrm>
+          <a:off x="0" y="0"/>
+          <a:ext cx="0" cy="0"/>
+          <a:chOff x="0" y="0"/>
+          <a:chExt cx="0" cy="0"/>
+        </a:xfrm>
+      </p:grpSpPr>
+      <p:sp>
+        <p:nvSpPr>
+          <p:cNvPr id="2" name="タイトル 1"/>
+          <p:cNvSpPr>
+            <a:spLocks noGrp="1"/>
+          </p:cNvSpPr>
+          <p:nvPr>
+            <p:ph type="title"/>
+          </p:nvPr>
+        </p:nvSpPr>
+        <p:spPr/>
+        <p:txBody>
+          <a:bodyPr/>
+          <a:lstStyle/>
+          <a:p>
+            <a:r>
+              <a:rPr kumimoji="1" lang="ja-JP" altLang="en-US" dirty="0"/>
+              <a:t>作成したデータを配置</a:t>
+            </a:r>
+          </a:p>
+        </p:txBody>
+      </p:sp>
+      <p:sp>
+        <p:nvSpPr>
           <p:cNvPr id="4" name="テキスト ボックス 3"/>
           <p:cNvSpPr txBox="1"/>
           <p:nvPr/>
         </p:nvSpPr>
         <p:spPr>
           <a:xfrm>
-            <a:off x="628650" y="4787900"/>
+            <a:off x="886691" y="6020955"/>
             <a:ext cx="3777444" cy="369332"/>
           </a:xfrm>
           <a:prstGeom prst="rect">
@@ -4638,8 +5895,8 @@
         </p:nvSpPr>
         <p:spPr>
           <a:xfrm>
-            <a:off x="628650" y="4418568"/>
-            <a:ext cx="5003800" cy="369332"/>
+            <a:off x="886690" y="5651623"/>
+            <a:ext cx="7398327" cy="369332"/>
           </a:xfrm>
           <a:prstGeom prst="rect">
             <a:avLst/>
@@ -4653,16 +5910,319 @@
           <a:p>
             <a:r>
               <a:rPr kumimoji="1" lang="ja-JP" altLang="en-US" dirty="0"/>
-              <a:t>権限の変更（書き込み権限が無いと失敗する）</a:t>
+              <a:t>権限の変更（書き込み権限が無いとデータベース作成に失敗する）</a:t>
             </a:r>
             <a:endParaRPr kumimoji="1" lang="en-US" altLang="ja-JP" dirty="0"/>
+          </a:p>
+        </p:txBody>
+      </p:sp>
+      <p:sp>
+        <p:nvSpPr>
+          <p:cNvPr id="8" name="正方形/長方形 7"/>
+          <p:cNvSpPr/>
+          <p:nvPr/>
+        </p:nvSpPr>
+        <p:spPr>
+          <a:xfrm>
+            <a:off x="886691" y="1690690"/>
+            <a:ext cx="7148945" cy="2507238"/>
+          </a:xfrm>
+          <a:prstGeom prst="rect">
+            <a:avLst/>
+          </a:prstGeom>
+        </p:spPr>
+        <p:style>
+          <a:lnRef idx="2">
+            <a:schemeClr val="dk1"/>
+          </a:lnRef>
+          <a:fillRef idx="1">
+            <a:schemeClr val="lt1"/>
+          </a:fillRef>
+          <a:effectRef idx="0">
+            <a:schemeClr val="dk1"/>
+          </a:effectRef>
+          <a:fontRef idx="minor">
+            <a:schemeClr val="dk1"/>
+          </a:fontRef>
+        </p:style>
+        <p:txBody>
+          <a:bodyPr rtlCol="0" anchor="t"/>
+          <a:lstStyle/>
+          <a:p>
+            <a:r>
+              <a:rPr kumimoji="1" lang="en-US" altLang="ja-JP" dirty="0"/>
+              <a:t>seminar2016</a:t>
+            </a:r>
+            <a:endParaRPr kumimoji="1" lang="ja-JP" altLang="en-US" dirty="0"/>
+          </a:p>
+        </p:txBody>
+      </p:sp>
+      <p:grpSp>
+        <p:nvGrpSpPr>
+          <p:cNvPr id="11" name="グループ化 10"/>
+          <p:cNvGrpSpPr/>
+          <p:nvPr/>
+        </p:nvGrpSpPr>
+        <p:grpSpPr>
+          <a:xfrm>
+            <a:off x="1413164" y="2349894"/>
+            <a:ext cx="1662546" cy="1321261"/>
+            <a:chOff x="1856509" y="2530303"/>
+            <a:chExt cx="1662546" cy="1321261"/>
+          </a:xfrm>
+        </p:grpSpPr>
+        <p:sp>
+          <p:nvSpPr>
+            <p:cNvPr id="9" name="正方形/長方形 8"/>
+            <p:cNvSpPr/>
+            <p:nvPr/>
+          </p:nvSpPr>
+          <p:spPr>
+            <a:xfrm>
+              <a:off x="1856509" y="2701637"/>
+              <a:ext cx="1662546" cy="1149927"/>
+            </a:xfrm>
+            <a:prstGeom prst="rect">
+              <a:avLst/>
+            </a:prstGeom>
+            <a:ln>
+              <a:noFill/>
+            </a:ln>
+          </p:spPr>
+          <p:style>
+            <a:lnRef idx="2">
+              <a:schemeClr val="accent1">
+                <a:shade val="50000"/>
+              </a:schemeClr>
+            </a:lnRef>
+            <a:fillRef idx="1">
+              <a:schemeClr val="accent1"/>
+            </a:fillRef>
+            <a:effectRef idx="0">
+              <a:schemeClr val="accent1"/>
+            </a:effectRef>
+            <a:fontRef idx="minor">
+              <a:schemeClr val="lt1"/>
+            </a:fontRef>
+          </p:style>
+          <p:txBody>
+            <a:bodyPr rtlCol="0" anchor="ctr"/>
+            <a:lstStyle/>
+            <a:p>
+              <a:pPr algn="ctr"/>
+              <a:r>
+                <a:rPr kumimoji="1" lang="en-US" altLang="ja-JP" dirty="0"/>
+                <a:t>Images</a:t>
+              </a:r>
+            </a:p>
+          </p:txBody>
+        </p:sp>
+        <p:sp>
+          <p:nvSpPr>
+            <p:cNvPr id="10" name="正方形/長方形 9"/>
+            <p:cNvSpPr/>
+            <p:nvPr/>
+          </p:nvSpPr>
+          <p:spPr>
+            <a:xfrm>
+              <a:off x="1856509" y="2530303"/>
+              <a:ext cx="387928" cy="268317"/>
+            </a:xfrm>
+            <a:prstGeom prst="rect">
+              <a:avLst/>
+            </a:prstGeom>
+            <a:ln>
+              <a:noFill/>
+            </a:ln>
+          </p:spPr>
+          <p:style>
+            <a:lnRef idx="2">
+              <a:schemeClr val="accent1">
+                <a:shade val="50000"/>
+              </a:schemeClr>
+            </a:lnRef>
+            <a:fillRef idx="1">
+              <a:schemeClr val="accent1"/>
+            </a:fillRef>
+            <a:effectRef idx="0">
+              <a:schemeClr val="accent1"/>
+            </a:effectRef>
+            <a:fontRef idx="minor">
+              <a:schemeClr val="lt1"/>
+            </a:fontRef>
+          </p:style>
+          <p:txBody>
+            <a:bodyPr rtlCol="0" anchor="ctr"/>
+            <a:lstStyle/>
+            <a:p>
+              <a:pPr algn="ctr"/>
+              <a:endParaRPr kumimoji="1" lang="ja-JP" altLang="en-US"/>
+            </a:p>
+          </p:txBody>
+        </p:sp>
+      </p:grpSp>
+      <p:sp>
+        <p:nvSpPr>
+          <p:cNvPr id="12" name="テキスト ボックス 11"/>
+          <p:cNvSpPr txBox="1"/>
+          <p:nvPr/>
+        </p:nvSpPr>
+        <p:spPr>
+          <a:xfrm>
+            <a:off x="3270706" y="2911525"/>
+            <a:ext cx="3416320" cy="646331"/>
+          </a:xfrm>
+          <a:prstGeom prst="rect">
+            <a:avLst/>
+          </a:prstGeom>
+          <a:noFill/>
+        </p:spPr>
+        <p:txBody>
+          <a:bodyPr wrap="none" rtlCol="0">
+            <a:spAutoFit/>
+          </a:bodyPr>
+          <a:lstStyle/>
+          <a:p>
+            <a:r>
+              <a:rPr kumimoji="1" lang="ja-JP" altLang="en-US" dirty="0"/>
+              <a:t>「</a:t>
+            </a:r>
+            <a:r>
+              <a:rPr kumimoji="1" lang="en-US" altLang="ja-JP" dirty="0"/>
+              <a:t>images</a:t>
+            </a:r>
+            <a:r>
+              <a:rPr kumimoji="1" lang="ja-JP" altLang="en-US" dirty="0"/>
+              <a:t>」フォルダを</a:t>
+            </a:r>
+            <a:r>
+              <a:rPr kumimoji="1" lang="ja-JP" altLang="en-US" dirty="0" smtClean="0"/>
+              <a:t>作成</a:t>
+            </a:r>
+            <a:endParaRPr kumimoji="1" lang="en-US" altLang="ja-JP" dirty="0" smtClean="0"/>
+          </a:p>
+          <a:p>
+            <a:r>
+              <a:rPr kumimoji="1" lang="ja-JP" altLang="en-US" dirty="0" smtClean="0"/>
+              <a:t>この中に作成した画像を入れる</a:t>
+            </a:r>
+            <a:endParaRPr kumimoji="1" lang="en-US" altLang="ja-JP" dirty="0"/>
+          </a:p>
+        </p:txBody>
+      </p:sp>
+      <p:sp>
+        <p:nvSpPr>
+          <p:cNvPr id="13" name="テキスト ボックス 12"/>
+          <p:cNvSpPr txBox="1"/>
+          <p:nvPr/>
+        </p:nvSpPr>
+        <p:spPr>
+          <a:xfrm>
+            <a:off x="886691" y="3900795"/>
+            <a:ext cx="6255239" cy="369332"/>
+          </a:xfrm>
+          <a:prstGeom prst="rect">
+            <a:avLst/>
+          </a:prstGeom>
+          <a:noFill/>
+        </p:spPr>
+        <p:txBody>
+          <a:bodyPr wrap="none" rtlCol="0">
+            <a:spAutoFit/>
+          </a:bodyPr>
+          <a:lstStyle/>
+          <a:p>
+            <a:r>
+              <a:rPr kumimoji="1" lang="ja-JP" altLang="en-US" dirty="0"/>
+              <a:t>今回は「</a:t>
+            </a:r>
+            <a:r>
+              <a:rPr kumimoji="1" lang="en-US" altLang="ja-JP" dirty="0"/>
+              <a:t>seminar2016</a:t>
+            </a:r>
+            <a:r>
+              <a:rPr kumimoji="1" lang="ja-JP" altLang="en-US" dirty="0"/>
+              <a:t>」の中で学習データの生成を行います</a:t>
+            </a:r>
+            <a:endParaRPr kumimoji="1" lang="en-US" altLang="ja-JP" dirty="0"/>
+          </a:p>
+        </p:txBody>
+      </p:sp>
+      <p:sp>
+        <p:nvSpPr>
+          <p:cNvPr id="14" name="テキスト ボックス 13"/>
+          <p:cNvSpPr txBox="1"/>
+          <p:nvPr/>
+        </p:nvSpPr>
+        <p:spPr>
+          <a:xfrm>
+            <a:off x="4731843" y="6093154"/>
+            <a:ext cx="3817648" cy="369332"/>
+          </a:xfrm>
+          <a:prstGeom prst="rect">
+            <a:avLst/>
+          </a:prstGeom>
+          <a:noFill/>
+        </p:spPr>
+        <p:txBody>
+          <a:bodyPr wrap="none" rtlCol="0">
+            <a:spAutoFit/>
+          </a:bodyPr>
+          <a:lstStyle/>
+          <a:p>
+            <a:r>
+              <a:rPr kumimoji="1" lang="ja-JP" altLang="en-US" dirty="0"/>
+              <a:t>←これは</a:t>
+            </a:r>
+            <a:r>
+              <a:rPr kumimoji="1" lang="en-US" altLang="ja-JP" dirty="0"/>
+              <a:t>Docker</a:t>
+            </a:r>
+            <a:r>
+              <a:rPr kumimoji="1" lang="ja-JP" altLang="en-US" dirty="0"/>
+              <a:t>上でコマンドを叩く</a:t>
+            </a:r>
+            <a:endParaRPr kumimoji="1" lang="en-US" altLang="ja-JP" dirty="0"/>
+          </a:p>
+        </p:txBody>
+      </p:sp>
+      <p:sp>
+        <p:nvSpPr>
+          <p:cNvPr id="15" name="正方形/長方形 14"/>
+          <p:cNvSpPr/>
+          <p:nvPr/>
+        </p:nvSpPr>
+        <p:spPr>
+          <a:xfrm>
+            <a:off x="886691" y="4586221"/>
+            <a:ext cx="5003800" cy="523220"/>
+          </a:xfrm>
+          <a:prstGeom prst="rect">
+            <a:avLst/>
+          </a:prstGeom>
+        </p:spPr>
+        <p:txBody>
+          <a:bodyPr wrap="square">
+            <a:spAutoFit/>
+          </a:bodyPr>
+          <a:lstStyle/>
+          <a:p>
+            <a:r>
+              <a:rPr kumimoji="1" lang="en-US" altLang="ja-JP" sz="2800" dirty="0"/>
+              <a:t>Mac</a:t>
+            </a:r>
+            <a:r>
+              <a:rPr kumimoji="1" lang="ja-JP" altLang="en-US" sz="2800" dirty="0"/>
+              <a:t>上での操作はここまで。</a:t>
+            </a:r>
+            <a:endParaRPr kumimoji="1" lang="en-US" altLang="ja-JP" sz="2800" dirty="0"/>
           </a:p>
         </p:txBody>
       </p:sp>
     </p:spTree>
     <p:extLst>
       <p:ext uri="{BB962C8B-B14F-4D97-AF65-F5344CB8AC3E}">
-        <p14:creationId xmlns:p14="http://schemas.microsoft.com/office/powerpoint/2010/main" val="2279218834"/>
+        <p14:creationId xmlns:p14="http://schemas.microsoft.com/office/powerpoint/2010/main" val="2582462481"/>
       </p:ext>
     </p:extLst>
   </p:cSld>
@@ -4672,7 +6232,7 @@
 </p:sld>
 </file>
 
-<file path=ppt/slides/slide13.xml><?xml version="1.0" encoding="utf-8"?>
+<file path=ppt/slides/slide19.xml><?xml version="1.0" encoding="utf-8"?>
 <p:sld xmlns:a="http://schemas.openxmlformats.org/drawingml/2006/main" xmlns:r="http://schemas.openxmlformats.org/officeDocument/2006/relationships" xmlns:p="http://schemas.openxmlformats.org/presentationml/2006/main">
   <p:cSld>
     <p:spTree>
@@ -5609,7 +7169,199 @@
 </p:sld>
 </file>
 
-<file path=ppt/slides/slide14.xml><?xml version="1.0" encoding="utf-8"?>
+<file path=ppt/slides/slide2.xml><?xml version="1.0" encoding="utf-8"?>
+<p:sld xmlns:a="http://schemas.openxmlformats.org/drawingml/2006/main" xmlns:r="http://schemas.openxmlformats.org/officeDocument/2006/relationships" xmlns:p="http://schemas.openxmlformats.org/presentationml/2006/main">
+  <p:cSld>
+    <p:spTree>
+      <p:nvGrpSpPr>
+        <p:cNvPr id="1" name=""/>
+        <p:cNvGrpSpPr/>
+        <p:nvPr/>
+      </p:nvGrpSpPr>
+      <p:grpSpPr>
+        <a:xfrm>
+          <a:off x="0" y="0"/>
+          <a:ext cx="0" cy="0"/>
+          <a:chOff x="0" y="0"/>
+          <a:chExt cx="0" cy="0"/>
+        </a:xfrm>
+      </p:grpSpPr>
+      <p:sp>
+        <p:nvSpPr>
+          <p:cNvPr id="2" name="タイトル 1"/>
+          <p:cNvSpPr>
+            <a:spLocks noGrp="1"/>
+          </p:cNvSpPr>
+          <p:nvPr>
+            <p:ph type="title"/>
+          </p:nvPr>
+        </p:nvSpPr>
+        <p:spPr/>
+        <p:txBody>
+          <a:bodyPr/>
+          <a:lstStyle/>
+          <a:p>
+            <a:r>
+              <a:rPr lang="en-US" altLang="ja-JP" dirty="0" err="1"/>
+              <a:t>Caffe</a:t>
+            </a:r>
+            <a:r>
+              <a:rPr lang="ja-JP" altLang="en-US" dirty="0"/>
+              <a:t>に必要なデータセット</a:t>
+            </a:r>
+            <a:endParaRPr kumimoji="1" lang="ja-JP" altLang="en-US" dirty="0"/>
+          </a:p>
+        </p:txBody>
+      </p:sp>
+      <p:sp>
+        <p:nvSpPr>
+          <p:cNvPr id="3" name="正方形/長方形 2"/>
+          <p:cNvSpPr/>
+          <p:nvPr/>
+        </p:nvSpPr>
+        <p:spPr>
+          <a:xfrm>
+            <a:off x="1099039" y="1855178"/>
+            <a:ext cx="3226777" cy="3226777"/>
+          </a:xfrm>
+          <a:prstGeom prst="rect">
+            <a:avLst/>
+          </a:prstGeom>
+        </p:spPr>
+        <p:style>
+          <a:lnRef idx="2">
+            <a:schemeClr val="accent1">
+              <a:shade val="50000"/>
+            </a:schemeClr>
+          </a:lnRef>
+          <a:fillRef idx="1">
+            <a:schemeClr val="accent1"/>
+          </a:fillRef>
+          <a:effectRef idx="0">
+            <a:schemeClr val="accent1"/>
+          </a:effectRef>
+          <a:fontRef idx="minor">
+            <a:schemeClr val="lt1"/>
+          </a:fontRef>
+        </p:style>
+        <p:txBody>
+          <a:bodyPr rtlCol="0" anchor="ctr"/>
+          <a:lstStyle/>
+          <a:p>
+            <a:pPr algn="ctr"/>
+            <a:r>
+              <a:rPr kumimoji="1" lang="en-US" altLang="ja-JP" sz="2000" dirty="0"/>
+              <a:t>Train</a:t>
+            </a:r>
+            <a:endParaRPr kumimoji="1" lang="en-US" altLang="ja-JP" sz="1600" dirty="0"/>
+          </a:p>
+          <a:p>
+            <a:pPr algn="ctr"/>
+            <a:r>
+              <a:rPr kumimoji="1" lang="ja-JP" altLang="en-US" sz="1600" dirty="0"/>
+              <a:t>学習用のデータ</a:t>
+            </a:r>
+          </a:p>
+        </p:txBody>
+      </p:sp>
+      <p:sp>
+        <p:nvSpPr>
+          <p:cNvPr id="4" name="正方形/長方形 3"/>
+          <p:cNvSpPr/>
+          <p:nvPr/>
+        </p:nvSpPr>
+        <p:spPr>
+          <a:xfrm>
+            <a:off x="4856285" y="1855177"/>
+            <a:ext cx="3226777" cy="3226777"/>
+          </a:xfrm>
+          <a:prstGeom prst="rect">
+            <a:avLst/>
+          </a:prstGeom>
+        </p:spPr>
+        <p:style>
+          <a:lnRef idx="2">
+            <a:schemeClr val="accent6">
+              <a:shade val="50000"/>
+            </a:schemeClr>
+          </a:lnRef>
+          <a:fillRef idx="1">
+            <a:schemeClr val="accent6"/>
+          </a:fillRef>
+          <a:effectRef idx="0">
+            <a:schemeClr val="accent6"/>
+          </a:effectRef>
+          <a:fontRef idx="minor">
+            <a:schemeClr val="lt1"/>
+          </a:fontRef>
+        </p:style>
+        <p:txBody>
+          <a:bodyPr rtlCol="0" anchor="ctr"/>
+          <a:lstStyle/>
+          <a:p>
+            <a:pPr algn="ctr"/>
+            <a:r>
+              <a:rPr kumimoji="1" lang="en-US" altLang="ja-JP" sz="2000" dirty="0"/>
+              <a:t>Test</a:t>
+            </a:r>
+            <a:endParaRPr kumimoji="1" lang="en-US" altLang="ja-JP" sz="1600" dirty="0"/>
+          </a:p>
+          <a:p>
+            <a:pPr algn="ctr"/>
+            <a:r>
+              <a:rPr kumimoji="1" lang="ja-JP" altLang="en-US" sz="1600" dirty="0"/>
+              <a:t>学習結果を評価する為のデータ</a:t>
+            </a:r>
+          </a:p>
+        </p:txBody>
+      </p:sp>
+      <p:sp>
+        <p:nvSpPr>
+          <p:cNvPr id="6" name="テキスト ボックス 5"/>
+          <p:cNvSpPr txBox="1"/>
+          <p:nvPr/>
+        </p:nvSpPr>
+        <p:spPr>
+          <a:xfrm>
+            <a:off x="3382411" y="5750169"/>
+            <a:ext cx="2379177" cy="369332"/>
+          </a:xfrm>
+          <a:prstGeom prst="rect">
+            <a:avLst/>
+          </a:prstGeom>
+          <a:noFill/>
+        </p:spPr>
+        <p:txBody>
+          <a:bodyPr wrap="none" rtlCol="0">
+            <a:spAutoFit/>
+          </a:bodyPr>
+          <a:lstStyle/>
+          <a:p>
+            <a:r>
+              <a:rPr kumimoji="1" lang="en-US" altLang="ja-JP" dirty="0"/>
+              <a:t>2</a:t>
+            </a:r>
+            <a:r>
+              <a:rPr kumimoji="1" lang="ja-JP" altLang="en-US" dirty="0"/>
+              <a:t>つ共に作り方は同じ</a:t>
+            </a:r>
+          </a:p>
+        </p:txBody>
+      </p:sp>
+    </p:spTree>
+    <p:extLst>
+      <p:ext uri="{BB962C8B-B14F-4D97-AF65-F5344CB8AC3E}">
+        <p14:creationId xmlns:p14="http://schemas.microsoft.com/office/powerpoint/2010/main" val="3060650951"/>
+      </p:ext>
+    </p:extLst>
+  </p:cSld>
+  <p:clrMapOvr>
+    <a:masterClrMapping/>
+  </p:clrMapOvr>
+</p:sld>
+</file>
+
+<file path=ppt/slides/slide20.xml><?xml version="1.0" encoding="utf-8"?>
 <p:sld xmlns:a="http://schemas.openxmlformats.org/drawingml/2006/main" xmlns:r="http://schemas.openxmlformats.org/officeDocument/2006/relationships" xmlns:p="http://schemas.openxmlformats.org/presentationml/2006/main">
   <p:cSld>
     <p:spTree>
@@ -5875,7 +7627,7 @@
 </p:sld>
 </file>
 
-<file path=ppt/slides/slide15.xml><?xml version="1.0" encoding="utf-8"?>
+<file path=ppt/slides/slide21.xml><?xml version="1.0" encoding="utf-8"?>
 <p:sld xmlns:a="http://schemas.openxmlformats.org/drawingml/2006/main" xmlns:r="http://schemas.openxmlformats.org/officeDocument/2006/relationships" xmlns:p="http://schemas.openxmlformats.org/presentationml/2006/main">
   <p:cSld>
     <p:spTree>
@@ -5923,7 +7675,7 @@
         </p:nvSpPr>
         <p:spPr>
           <a:xfrm>
-            <a:off x="734849" y="2800477"/>
+            <a:off x="734849" y="5351653"/>
             <a:ext cx="7674299" cy="338554"/>
           </a:xfrm>
           <a:prstGeom prst="rect">
@@ -6086,7 +7838,7 @@
         </p:nvSpPr>
         <p:spPr>
           <a:xfrm>
-            <a:off x="734850" y="1983973"/>
+            <a:off x="734850" y="2456797"/>
             <a:ext cx="7674299" cy="338554"/>
           </a:xfrm>
           <a:prstGeom prst="rect">
@@ -6249,7 +8001,7 @@
         </p:nvSpPr>
         <p:spPr>
           <a:xfrm>
-            <a:off x="734850" y="1587197"/>
+            <a:off x="734850" y="2060021"/>
             <a:ext cx="4339650" cy="369332"/>
           </a:xfrm>
           <a:prstGeom prst="rect">
@@ -6278,7 +8030,7 @@
         </p:nvSpPr>
         <p:spPr>
           <a:xfrm>
-            <a:off x="734850" y="2431145"/>
+            <a:off x="734850" y="4982321"/>
             <a:ext cx="4108817" cy="369332"/>
           </a:xfrm>
           <a:prstGeom prst="rect">
@@ -6296,6 +8048,89 @@
               <a:rPr kumimoji="1" lang="ja-JP" altLang="en-US" dirty="0"/>
               <a:t>学習パラメータ設定ファイルのコピー</a:t>
             </a:r>
+          </a:p>
+        </p:txBody>
+      </p:sp>
+      <p:pic>
+        <p:nvPicPr>
+          <p:cNvPr id="7" name="図 6"/>
+          <p:cNvPicPr>
+            <a:picLocks noChangeAspect="1"/>
+          </p:cNvPicPr>
+          <p:nvPr/>
+        </p:nvPicPr>
+        <p:blipFill rotWithShape="1">
+          <a:blip r:embed="rId2"/>
+          <a:srcRect t="38412" b="13395"/>
+          <a:stretch/>
+        </p:blipFill>
+        <p:spPr>
+          <a:xfrm>
+            <a:off x="2752262" y="3012482"/>
+            <a:ext cx="6147845" cy="1667159"/>
+          </a:xfrm>
+          <a:prstGeom prst="rect">
+            <a:avLst/>
+          </a:prstGeom>
+        </p:spPr>
+      </p:pic>
+      <p:sp>
+        <p:nvSpPr>
+          <p:cNvPr id="8" name="テキスト ボックス 7"/>
+          <p:cNvSpPr txBox="1"/>
+          <p:nvPr/>
+        </p:nvSpPr>
+        <p:spPr>
+          <a:xfrm>
+            <a:off x="734849" y="2822795"/>
+            <a:ext cx="4698722" cy="261610"/>
+          </a:xfrm>
+          <a:prstGeom prst="rect">
+            <a:avLst/>
+          </a:prstGeom>
+          <a:noFill/>
+        </p:spPr>
+        <p:txBody>
+          <a:bodyPr wrap="none" rtlCol="0">
+            <a:spAutoFit/>
+          </a:bodyPr>
+          <a:lstStyle/>
+          <a:p>
+            <a:r>
+              <a:rPr kumimoji="1" lang="ja-JP" altLang="en-US" sz="1100" dirty="0" smtClean="0"/>
+              <a:t>レイヤーの接続関係やレイヤー自体の設定などを記述しているファイル</a:t>
+            </a:r>
+            <a:endParaRPr kumimoji="1" lang="ja-JP" altLang="en-US" sz="1100" dirty="0"/>
+          </a:p>
+        </p:txBody>
+      </p:sp>
+      <p:sp>
+        <p:nvSpPr>
+          <p:cNvPr id="9" name="テキスト ボックス 8"/>
+          <p:cNvSpPr txBox="1"/>
+          <p:nvPr/>
+        </p:nvSpPr>
+        <p:spPr>
+          <a:xfrm>
+            <a:off x="734849" y="5717141"/>
+            <a:ext cx="6955750" cy="261610"/>
+          </a:xfrm>
+          <a:prstGeom prst="rect">
+            <a:avLst/>
+          </a:prstGeom>
+          <a:noFill/>
+        </p:spPr>
+        <p:txBody>
+          <a:bodyPr wrap="none" rtlCol="0">
+            <a:spAutoFit/>
+          </a:bodyPr>
+          <a:lstStyle/>
+          <a:p>
+            <a:r>
+              <a:rPr kumimoji="1" lang="ja-JP" altLang="en-US" sz="1100" dirty="0" smtClean="0"/>
+              <a:t>学習全体に関する設定（学習率や学習回数、テストする間隔や書き出す間隔などを記述しているファイル）</a:t>
+            </a:r>
+            <a:endParaRPr kumimoji="1" lang="ja-JP" altLang="en-US" sz="1100" dirty="0"/>
           </a:p>
         </p:txBody>
       </p:sp>
@@ -6312,7 +8147,7 @@
 </p:sld>
 </file>
 
-<file path=ppt/slides/slide16.xml><?xml version="1.0" encoding="utf-8"?>
+<file path=ppt/slides/slide22.xml><?xml version="1.0" encoding="utf-8"?>
 <p:sld xmlns:a="http://schemas.openxmlformats.org/drawingml/2006/main" xmlns:r="http://schemas.openxmlformats.org/officeDocument/2006/relationships" xmlns:p="http://schemas.openxmlformats.org/presentationml/2006/main">
   <p:cSld>
     <p:spTree>
@@ -6700,7 +8535,7 @@
 </p:sld>
 </file>
 
-<file path=ppt/slides/slide17.xml><?xml version="1.0" encoding="utf-8"?>
+<file path=ppt/slides/slide23.xml><?xml version="1.0" encoding="utf-8"?>
 <p:sld xmlns:a="http://schemas.openxmlformats.org/drawingml/2006/main" xmlns:r="http://schemas.openxmlformats.org/officeDocument/2006/relationships" xmlns:p="http://schemas.openxmlformats.org/presentationml/2006/main">
   <p:cSld>
     <p:spTree>
@@ -7125,7 +8960,7 @@
 </p:sld>
 </file>
 
-<file path=ppt/slides/slide18.xml><?xml version="1.0" encoding="utf-8"?>
+<file path=ppt/slides/slide24.xml><?xml version="1.0" encoding="utf-8"?>
 <p:sld xmlns:a="http://schemas.openxmlformats.org/drawingml/2006/main" xmlns:r="http://schemas.openxmlformats.org/officeDocument/2006/relationships" xmlns:p="http://schemas.openxmlformats.org/presentationml/2006/main">
   <p:cSld>
     <p:spTree>
@@ -7394,198 +9229,6 @@
     <p:extLst>
       <p:ext uri="{BB962C8B-B14F-4D97-AF65-F5344CB8AC3E}">
         <p14:creationId xmlns:p14="http://schemas.microsoft.com/office/powerpoint/2010/main" val="2786268502"/>
-      </p:ext>
-    </p:extLst>
-  </p:cSld>
-  <p:clrMapOvr>
-    <a:masterClrMapping/>
-  </p:clrMapOvr>
-</p:sld>
-</file>
-
-<file path=ppt/slides/slide2.xml><?xml version="1.0" encoding="utf-8"?>
-<p:sld xmlns:a="http://schemas.openxmlformats.org/drawingml/2006/main" xmlns:r="http://schemas.openxmlformats.org/officeDocument/2006/relationships" xmlns:p="http://schemas.openxmlformats.org/presentationml/2006/main">
-  <p:cSld>
-    <p:spTree>
-      <p:nvGrpSpPr>
-        <p:cNvPr id="1" name=""/>
-        <p:cNvGrpSpPr/>
-        <p:nvPr/>
-      </p:nvGrpSpPr>
-      <p:grpSpPr>
-        <a:xfrm>
-          <a:off x="0" y="0"/>
-          <a:ext cx="0" cy="0"/>
-          <a:chOff x="0" y="0"/>
-          <a:chExt cx="0" cy="0"/>
-        </a:xfrm>
-      </p:grpSpPr>
-      <p:sp>
-        <p:nvSpPr>
-          <p:cNvPr id="2" name="タイトル 1"/>
-          <p:cNvSpPr>
-            <a:spLocks noGrp="1"/>
-          </p:cNvSpPr>
-          <p:nvPr>
-            <p:ph type="title"/>
-          </p:nvPr>
-        </p:nvSpPr>
-        <p:spPr/>
-        <p:txBody>
-          <a:bodyPr/>
-          <a:lstStyle/>
-          <a:p>
-            <a:r>
-              <a:rPr lang="en-US" altLang="ja-JP" dirty="0" err="1"/>
-              <a:t>Caffe</a:t>
-            </a:r>
-            <a:r>
-              <a:rPr lang="ja-JP" altLang="en-US" dirty="0"/>
-              <a:t>に必要なデータセット</a:t>
-            </a:r>
-            <a:endParaRPr kumimoji="1" lang="ja-JP" altLang="en-US" dirty="0"/>
-          </a:p>
-        </p:txBody>
-      </p:sp>
-      <p:sp>
-        <p:nvSpPr>
-          <p:cNvPr id="3" name="正方形/長方形 2"/>
-          <p:cNvSpPr/>
-          <p:nvPr/>
-        </p:nvSpPr>
-        <p:spPr>
-          <a:xfrm>
-            <a:off x="1099039" y="1855178"/>
-            <a:ext cx="3226777" cy="3226777"/>
-          </a:xfrm>
-          <a:prstGeom prst="rect">
-            <a:avLst/>
-          </a:prstGeom>
-        </p:spPr>
-        <p:style>
-          <a:lnRef idx="2">
-            <a:schemeClr val="accent1">
-              <a:shade val="50000"/>
-            </a:schemeClr>
-          </a:lnRef>
-          <a:fillRef idx="1">
-            <a:schemeClr val="accent1"/>
-          </a:fillRef>
-          <a:effectRef idx="0">
-            <a:schemeClr val="accent1"/>
-          </a:effectRef>
-          <a:fontRef idx="minor">
-            <a:schemeClr val="lt1"/>
-          </a:fontRef>
-        </p:style>
-        <p:txBody>
-          <a:bodyPr rtlCol="0" anchor="ctr"/>
-          <a:lstStyle/>
-          <a:p>
-            <a:pPr algn="ctr"/>
-            <a:r>
-              <a:rPr kumimoji="1" lang="en-US" altLang="ja-JP" sz="2000" dirty="0"/>
-              <a:t>Train</a:t>
-            </a:r>
-            <a:endParaRPr kumimoji="1" lang="en-US" altLang="ja-JP" sz="1600" dirty="0"/>
-          </a:p>
-          <a:p>
-            <a:pPr algn="ctr"/>
-            <a:r>
-              <a:rPr kumimoji="1" lang="ja-JP" altLang="en-US" sz="1600" dirty="0"/>
-              <a:t>学習用のデータ</a:t>
-            </a:r>
-          </a:p>
-        </p:txBody>
-      </p:sp>
-      <p:sp>
-        <p:nvSpPr>
-          <p:cNvPr id="4" name="正方形/長方形 3"/>
-          <p:cNvSpPr/>
-          <p:nvPr/>
-        </p:nvSpPr>
-        <p:spPr>
-          <a:xfrm>
-            <a:off x="4856285" y="1855177"/>
-            <a:ext cx="3226777" cy="3226777"/>
-          </a:xfrm>
-          <a:prstGeom prst="rect">
-            <a:avLst/>
-          </a:prstGeom>
-        </p:spPr>
-        <p:style>
-          <a:lnRef idx="2">
-            <a:schemeClr val="accent6">
-              <a:shade val="50000"/>
-            </a:schemeClr>
-          </a:lnRef>
-          <a:fillRef idx="1">
-            <a:schemeClr val="accent6"/>
-          </a:fillRef>
-          <a:effectRef idx="0">
-            <a:schemeClr val="accent6"/>
-          </a:effectRef>
-          <a:fontRef idx="minor">
-            <a:schemeClr val="lt1"/>
-          </a:fontRef>
-        </p:style>
-        <p:txBody>
-          <a:bodyPr rtlCol="0" anchor="ctr"/>
-          <a:lstStyle/>
-          <a:p>
-            <a:pPr algn="ctr"/>
-            <a:r>
-              <a:rPr kumimoji="1" lang="en-US" altLang="ja-JP" sz="2000" dirty="0"/>
-              <a:t>Test</a:t>
-            </a:r>
-            <a:endParaRPr kumimoji="1" lang="en-US" altLang="ja-JP" sz="1600" dirty="0"/>
-          </a:p>
-          <a:p>
-            <a:pPr algn="ctr"/>
-            <a:r>
-              <a:rPr kumimoji="1" lang="ja-JP" altLang="en-US" sz="1600" dirty="0"/>
-              <a:t>学習結果を評価する為のデータ</a:t>
-            </a:r>
-          </a:p>
-        </p:txBody>
-      </p:sp>
-      <p:sp>
-        <p:nvSpPr>
-          <p:cNvPr id="6" name="テキスト ボックス 5"/>
-          <p:cNvSpPr txBox="1"/>
-          <p:nvPr/>
-        </p:nvSpPr>
-        <p:spPr>
-          <a:xfrm>
-            <a:off x="3382411" y="5750169"/>
-            <a:ext cx="2379177" cy="369332"/>
-          </a:xfrm>
-          <a:prstGeom prst="rect">
-            <a:avLst/>
-          </a:prstGeom>
-          <a:noFill/>
-        </p:spPr>
-        <p:txBody>
-          <a:bodyPr wrap="none" rtlCol="0">
-            <a:spAutoFit/>
-          </a:bodyPr>
-          <a:lstStyle/>
-          <a:p>
-            <a:r>
-              <a:rPr kumimoji="1" lang="en-US" altLang="ja-JP" dirty="0"/>
-              <a:t>2</a:t>
-            </a:r>
-            <a:r>
-              <a:rPr kumimoji="1" lang="ja-JP" altLang="en-US" dirty="0"/>
-              <a:t>つ共に作り方は同じ</a:t>
-            </a:r>
-          </a:p>
-        </p:txBody>
-      </p:sp>
-    </p:spTree>
-    <p:extLst>
-      <p:ext uri="{BB962C8B-B14F-4D97-AF65-F5344CB8AC3E}">
-        <p14:creationId xmlns:p14="http://schemas.microsoft.com/office/powerpoint/2010/main" val="3060650951"/>
       </p:ext>
     </p:extLst>
   </p:cSld>
@@ -7915,6 +9558,107 @@
       </p:sp>
       <p:sp>
         <p:nvSpPr>
+          <p:cNvPr id="3" name="縦書きテキスト プレースホルダー 2"/>
+          <p:cNvSpPr>
+            <a:spLocks noGrp="1"/>
+          </p:cNvSpPr>
+          <p:nvPr>
+            <p:ph type="body" orient="vert" idx="1"/>
+          </p:nvPr>
+        </p:nvSpPr>
+        <p:spPr/>
+        <p:txBody>
+          <a:bodyPr vert="horz"/>
+          <a:lstStyle/>
+          <a:p>
+            <a:pPr marL="0" indent="0">
+              <a:buNone/>
+            </a:pPr>
+            <a:r>
+              <a:rPr kumimoji="1" lang="en-US" altLang="ja-JP" dirty="0"/>
+              <a:t>Windows</a:t>
+            </a:r>
+            <a:r>
+              <a:rPr kumimoji="1" lang="ja-JP" altLang="en-US" dirty="0"/>
+              <a:t>の「ペイント」を使って画像を作成</a:t>
+            </a:r>
+            <a:endParaRPr kumimoji="1" lang="en-US" altLang="ja-JP" dirty="0"/>
+          </a:p>
+          <a:p>
+            <a:pPr marL="0" indent="0">
+              <a:buNone/>
+            </a:pPr>
+            <a:endParaRPr lang="en-US" altLang="ja-JP" dirty="0"/>
+          </a:p>
+          <a:p>
+            <a:pPr marL="0" indent="0">
+              <a:buNone/>
+            </a:pPr>
+            <a:r>
+              <a:rPr kumimoji="1" lang="en-US" altLang="ja-JP" dirty="0"/>
+              <a:t>Windows PC</a:t>
+            </a:r>
+            <a:r>
+              <a:rPr kumimoji="1" lang="ja-JP" altLang="en-US" dirty="0"/>
+              <a:t>を用意してください。</a:t>
+            </a:r>
+          </a:p>
+        </p:txBody>
+      </p:sp>
+    </p:spTree>
+    <p:extLst>
+      <p:ext uri="{BB962C8B-B14F-4D97-AF65-F5344CB8AC3E}">
+        <p14:creationId xmlns:p14="http://schemas.microsoft.com/office/powerpoint/2010/main" val="2839222117"/>
+      </p:ext>
+    </p:extLst>
+  </p:cSld>
+  <p:clrMapOvr>
+    <a:masterClrMapping/>
+  </p:clrMapOvr>
+</p:sld>
+</file>
+
+<file path=ppt/slides/slide5.xml><?xml version="1.0" encoding="utf-8"?>
+<p:sld xmlns:a="http://schemas.openxmlformats.org/drawingml/2006/main" xmlns:r="http://schemas.openxmlformats.org/officeDocument/2006/relationships" xmlns:p="http://schemas.openxmlformats.org/presentationml/2006/main">
+  <p:cSld>
+    <p:spTree>
+      <p:nvGrpSpPr>
+        <p:cNvPr id="1" name=""/>
+        <p:cNvGrpSpPr/>
+        <p:nvPr/>
+      </p:nvGrpSpPr>
+      <p:grpSpPr>
+        <a:xfrm>
+          <a:off x="0" y="0"/>
+          <a:ext cx="0" cy="0"/>
+          <a:chOff x="0" y="0"/>
+          <a:chExt cx="0" cy="0"/>
+        </a:xfrm>
+      </p:grpSpPr>
+      <p:sp>
+        <p:nvSpPr>
+          <p:cNvPr id="2" name="タイトル 1"/>
+          <p:cNvSpPr>
+            <a:spLocks noGrp="1"/>
+          </p:cNvSpPr>
+          <p:nvPr>
+            <p:ph type="title"/>
+          </p:nvPr>
+        </p:nvSpPr>
+        <p:spPr/>
+        <p:txBody>
+          <a:bodyPr/>
+          <a:lstStyle/>
+          <a:p>
+            <a:r>
+              <a:rPr kumimoji="1" lang="ja-JP" altLang="en-US" dirty="0"/>
+              <a:t>画像の用意</a:t>
+            </a:r>
+          </a:p>
+        </p:txBody>
+      </p:sp>
+      <p:sp>
+        <p:nvSpPr>
           <p:cNvPr id="11" name="縦書きテキスト プレースホルダー 10"/>
           <p:cNvSpPr>
             <a:spLocks noGrp="1"/>
@@ -7923,13 +9667,21 @@
             <p:ph type="body" orient="vert" idx="1"/>
           </p:nvPr>
         </p:nvSpPr>
-        <p:spPr/>
-        <p:txBody>
-          <a:bodyPr vert="horz"/>
-          <a:lstStyle/>
-          <a:p>
-            <a:pPr marL="0" indent="0">
-              <a:buNone/>
+        <p:spPr>
+          <a:xfrm>
+            <a:off x="628649" y="1825625"/>
+            <a:ext cx="8349095" cy="4351338"/>
+          </a:xfrm>
+        </p:spPr>
+        <p:txBody>
+          <a:bodyPr vert="horz">
+            <a:normAutofit/>
+          </a:bodyPr>
+          <a:lstStyle/>
+          <a:p>
+            <a:pPr marL="514350" indent="-514350">
+              <a:buFont typeface="+mj-lt"/>
+              <a:buAutoNum type="arabicPeriod"/>
             </a:pPr>
             <a:r>
               <a:rPr lang="en-US" altLang="ja-JP" dirty="0"/>
@@ -7938,60 +9690,6 @@
             <a:r>
               <a:rPr lang="ja-JP" altLang="en-US" dirty="0"/>
               <a:t>の正方形の画像を用意します</a:t>
-            </a:r>
-            <a:endParaRPr lang="en-US" altLang="ja-JP" dirty="0"/>
-          </a:p>
-          <a:p>
-            <a:pPr marL="0" indent="0">
-              <a:buNone/>
-            </a:pPr>
-            <a:endParaRPr lang="en-US" altLang="ja-JP" dirty="0"/>
-          </a:p>
-          <a:p>
-            <a:pPr marL="0" indent="0">
-              <a:buNone/>
-            </a:pPr>
-            <a:r>
-              <a:rPr lang="ja-JP" altLang="en-US" dirty="0"/>
-              <a:t>ファイル名は「</a:t>
-            </a:r>
-            <a:r>
-              <a:rPr lang="en-US" altLang="ja-JP" dirty="0"/>
-              <a:t>train_1.jpg</a:t>
-            </a:r>
-            <a:r>
-              <a:rPr lang="ja-JP" altLang="en-US" dirty="0"/>
-              <a:t>」という連番で保存</a:t>
-            </a:r>
-            <a:endParaRPr lang="en-US" altLang="ja-JP" dirty="0"/>
-          </a:p>
-          <a:p>
-            <a:pPr marL="0" indent="0">
-              <a:buNone/>
-            </a:pPr>
-            <a:endParaRPr lang="en-US" altLang="ja-JP" dirty="0"/>
-          </a:p>
-          <a:p>
-            <a:pPr marL="0" indent="0">
-              <a:buNone/>
-            </a:pPr>
-            <a:endParaRPr lang="en-US" altLang="ja-JP" dirty="0"/>
-          </a:p>
-          <a:p>
-            <a:pPr marL="0" indent="0">
-              <a:buNone/>
-            </a:pPr>
-            <a:r>
-              <a:rPr lang="ja-JP" altLang="en-US" dirty="0"/>
-              <a:t>今回は</a:t>
-            </a:r>
-            <a:r>
-              <a:rPr lang="en-US" altLang="ja-JP" dirty="0"/>
-              <a:t>10</a:t>
-            </a:r>
-            <a:r>
-              <a:rPr lang="ja-JP" altLang="en-US" dirty="0"/>
-              <a:t>個作成してください。</a:t>
             </a:r>
             <a:endParaRPr lang="en-US" altLang="ja-JP" dirty="0"/>
           </a:p>
@@ -8005,10 +9703,10 @@
         </p:nvGrpSpPr>
         <p:grpSpPr>
           <a:xfrm>
-            <a:off x="6988178" y="1825625"/>
-            <a:ext cx="1139866" cy="943034"/>
+            <a:off x="6988177" y="1825623"/>
+            <a:ext cx="1563454" cy="1380566"/>
             <a:chOff x="628650" y="1690689"/>
-            <a:chExt cx="1139866" cy="943034"/>
+            <a:chExt cx="1093767" cy="965822"/>
           </a:xfrm>
         </p:grpSpPr>
         <p:pic>
@@ -8043,8 +9741,8 @@
           </p:nvSpPr>
           <p:spPr>
             <a:xfrm>
-              <a:off x="1304928" y="1900586"/>
-              <a:ext cx="463588" cy="261610"/>
+              <a:off x="1346781" y="1927816"/>
+              <a:ext cx="375636" cy="215316"/>
             </a:xfrm>
             <a:prstGeom prst="rect">
               <a:avLst/>
@@ -8058,10 +9756,10 @@
             <a:lstStyle/>
             <a:p>
               <a:r>
-                <a:rPr kumimoji="1" lang="en-US" altLang="ja-JP" sz="1100" dirty="0"/>
+                <a:rPr kumimoji="1" lang="en-US" altLang="ja-JP" sz="1400" dirty="0"/>
                 <a:t>28px</a:t>
               </a:r>
-              <a:endParaRPr kumimoji="1" lang="ja-JP" altLang="en-US" sz="1100" dirty="0"/>
+              <a:endParaRPr kumimoji="1" lang="ja-JP" altLang="en-US" sz="1400" dirty="0"/>
             </a:p>
           </p:txBody>
         </p:sp>
@@ -8225,8 +9923,8 @@
           </p:nvSpPr>
           <p:spPr>
             <a:xfrm>
-              <a:off x="737558" y="2372113"/>
-              <a:ext cx="463588" cy="261610"/>
+              <a:off x="795545" y="2441195"/>
+              <a:ext cx="375636" cy="215316"/>
             </a:xfrm>
             <a:prstGeom prst="rect">
               <a:avLst/>
@@ -8240,52 +9938,271 @@
             <a:lstStyle/>
             <a:p>
               <a:r>
-                <a:rPr kumimoji="1" lang="en-US" altLang="ja-JP" sz="1100" dirty="0"/>
+                <a:rPr kumimoji="1" lang="en-US" altLang="ja-JP" sz="1400" dirty="0"/>
                 <a:t>28px</a:t>
               </a:r>
-              <a:endParaRPr kumimoji="1" lang="ja-JP" altLang="en-US" sz="1100" dirty="0"/>
+              <a:endParaRPr kumimoji="1" lang="ja-JP" altLang="en-US" sz="1400" dirty="0"/>
             </a:p>
           </p:txBody>
         </p:sp>
       </p:grpSp>
-      <p:sp>
-        <p:nvSpPr>
-          <p:cNvPr id="12" name="テキスト ボックス 11"/>
-          <p:cNvSpPr txBox="1"/>
+      <p:pic>
+        <p:nvPicPr>
+          <p:cNvPr id="14" name="図 13"/>
+          <p:cNvPicPr>
+            <a:picLocks noChangeAspect="1"/>
+          </p:cNvPicPr>
           <p:nvPr/>
-        </p:nvSpPr>
+        </p:nvPicPr>
+        <p:blipFill rotWithShape="1">
+          <a:blip r:embed="rId3"/>
+          <a:srcRect r="69313" b="26764"/>
+          <a:stretch/>
+        </p:blipFill>
         <p:spPr>
           <a:xfrm>
-            <a:off x="958362" y="3341132"/>
-            <a:ext cx="2650534" cy="369332"/>
+            <a:off x="2059427" y="2334358"/>
+            <a:ext cx="3371395" cy="4523642"/>
           </a:xfrm>
           <a:prstGeom prst="rect">
             <a:avLst/>
           </a:prstGeom>
+        </p:spPr>
+      </p:pic>
+      <p:sp>
+        <p:nvSpPr>
+          <p:cNvPr id="15" name="楕円 14"/>
+          <p:cNvSpPr/>
+          <p:nvPr/>
+        </p:nvSpPr>
+        <p:spPr>
+          <a:xfrm>
+            <a:off x="3394364" y="2898411"/>
+            <a:ext cx="678872" cy="211501"/>
+          </a:xfrm>
+          <a:prstGeom prst="ellipse">
+            <a:avLst/>
+          </a:prstGeom>
           <a:noFill/>
+          <a:ln>
+            <a:solidFill>
+              <a:srgbClr val="FF0000"/>
+            </a:solidFill>
+          </a:ln>
         </p:spPr>
-        <p:txBody>
-          <a:bodyPr wrap="none" rtlCol="0">
-            <a:spAutoFit/>
-          </a:bodyPr>
-          <a:lstStyle/>
-          <a:p>
-            <a:r>
-              <a:rPr kumimoji="1" lang="ja-JP" altLang="en-US" dirty="0"/>
-              <a:t>例</a:t>
-            </a:r>
-            <a:r>
-              <a:rPr kumimoji="1" lang="en-US" altLang="ja-JP" dirty="0"/>
-              <a:t>) train_2.jpg , tain_3.jpg</a:t>
-            </a:r>
-            <a:endParaRPr kumimoji="1" lang="ja-JP" altLang="en-US" dirty="0"/>
+        <p:style>
+          <a:lnRef idx="2">
+            <a:schemeClr val="accent1">
+              <a:shade val="50000"/>
+            </a:schemeClr>
+          </a:lnRef>
+          <a:fillRef idx="1">
+            <a:schemeClr val="accent1"/>
+          </a:fillRef>
+          <a:effectRef idx="0">
+            <a:schemeClr val="accent1"/>
+          </a:effectRef>
+          <a:fontRef idx="minor">
+            <a:schemeClr val="lt1"/>
+          </a:fontRef>
+        </p:style>
+        <p:txBody>
+          <a:bodyPr rtlCol="0" anchor="ctr"/>
+          <a:lstStyle/>
+          <a:p>
+            <a:pPr algn="ctr"/>
+            <a:endParaRPr kumimoji="1" lang="ja-JP" altLang="en-US"/>
+          </a:p>
+        </p:txBody>
+      </p:sp>
+      <p:sp>
+        <p:nvSpPr>
+          <p:cNvPr id="17" name="楕円 16"/>
+          <p:cNvSpPr/>
+          <p:nvPr/>
+        </p:nvSpPr>
+        <p:spPr>
+          <a:xfrm>
+            <a:off x="3654714" y="4001294"/>
+            <a:ext cx="678872" cy="211501"/>
+          </a:xfrm>
+          <a:prstGeom prst="ellipse">
+            <a:avLst/>
+          </a:prstGeom>
+          <a:noFill/>
+          <a:ln>
+            <a:solidFill>
+              <a:srgbClr val="FF0000"/>
+            </a:solidFill>
+          </a:ln>
+        </p:spPr>
+        <p:style>
+          <a:lnRef idx="2">
+            <a:schemeClr val="accent1">
+              <a:shade val="50000"/>
+            </a:schemeClr>
+          </a:lnRef>
+          <a:fillRef idx="1">
+            <a:schemeClr val="accent1"/>
+          </a:fillRef>
+          <a:effectRef idx="0">
+            <a:schemeClr val="accent1"/>
+          </a:effectRef>
+          <a:fontRef idx="minor">
+            <a:schemeClr val="lt1"/>
+          </a:fontRef>
+        </p:style>
+        <p:txBody>
+          <a:bodyPr rtlCol="0" anchor="ctr"/>
+          <a:lstStyle/>
+          <a:p>
+            <a:pPr algn="ctr"/>
+            <a:endParaRPr kumimoji="1" lang="ja-JP" altLang="en-US"/>
+          </a:p>
+        </p:txBody>
+      </p:sp>
+      <p:sp>
+        <p:nvSpPr>
+          <p:cNvPr id="18" name="楕円 17"/>
+          <p:cNvSpPr/>
+          <p:nvPr/>
+        </p:nvSpPr>
+        <p:spPr>
+          <a:xfrm>
+            <a:off x="2492664" y="4898661"/>
+            <a:ext cx="1162050" cy="211501"/>
+          </a:xfrm>
+          <a:prstGeom prst="ellipse">
+            <a:avLst/>
+          </a:prstGeom>
+          <a:noFill/>
+          <a:ln>
+            <a:solidFill>
+              <a:srgbClr val="FF0000"/>
+            </a:solidFill>
+          </a:ln>
+        </p:spPr>
+        <p:style>
+          <a:lnRef idx="2">
+            <a:schemeClr val="accent1">
+              <a:shade val="50000"/>
+            </a:schemeClr>
+          </a:lnRef>
+          <a:fillRef idx="1">
+            <a:schemeClr val="accent1"/>
+          </a:fillRef>
+          <a:effectRef idx="0">
+            <a:schemeClr val="accent1"/>
+          </a:effectRef>
+          <a:fontRef idx="minor">
+            <a:schemeClr val="lt1"/>
+          </a:fontRef>
+        </p:style>
+        <p:txBody>
+          <a:bodyPr rtlCol="0" anchor="ctr"/>
+          <a:lstStyle/>
+          <a:p>
+            <a:pPr algn="ctr"/>
+            <a:endParaRPr kumimoji="1" lang="ja-JP" altLang="en-US"/>
+          </a:p>
+        </p:txBody>
+      </p:sp>
+      <p:sp>
+        <p:nvSpPr>
+          <p:cNvPr id="19" name="楕円 18"/>
+          <p:cNvSpPr/>
+          <p:nvPr/>
+        </p:nvSpPr>
+        <p:spPr>
+          <a:xfrm>
+            <a:off x="3794414" y="4241980"/>
+            <a:ext cx="678872" cy="266520"/>
+          </a:xfrm>
+          <a:prstGeom prst="ellipse">
+            <a:avLst/>
+          </a:prstGeom>
+          <a:noFill/>
+          <a:ln>
+            <a:solidFill>
+              <a:srgbClr val="FF0000"/>
+            </a:solidFill>
+          </a:ln>
+        </p:spPr>
+        <p:style>
+          <a:lnRef idx="2">
+            <a:schemeClr val="accent1">
+              <a:shade val="50000"/>
+            </a:schemeClr>
+          </a:lnRef>
+          <a:fillRef idx="1">
+            <a:schemeClr val="accent1"/>
+          </a:fillRef>
+          <a:effectRef idx="0">
+            <a:schemeClr val="accent1"/>
+          </a:effectRef>
+          <a:fontRef idx="minor">
+            <a:schemeClr val="lt1"/>
+          </a:fontRef>
+        </p:style>
+        <p:txBody>
+          <a:bodyPr rtlCol="0" anchor="ctr"/>
+          <a:lstStyle/>
+          <a:p>
+            <a:pPr algn="ctr"/>
+            <a:endParaRPr kumimoji="1" lang="ja-JP" altLang="en-US"/>
+          </a:p>
+        </p:txBody>
+      </p:sp>
+      <p:sp>
+        <p:nvSpPr>
+          <p:cNvPr id="20" name="楕円 19"/>
+          <p:cNvSpPr/>
+          <p:nvPr/>
+        </p:nvSpPr>
+        <p:spPr>
+          <a:xfrm>
+            <a:off x="3794414" y="4582498"/>
+            <a:ext cx="678872" cy="266520"/>
+          </a:xfrm>
+          <a:prstGeom prst="ellipse">
+            <a:avLst/>
+          </a:prstGeom>
+          <a:noFill/>
+          <a:ln>
+            <a:solidFill>
+              <a:srgbClr val="FF0000"/>
+            </a:solidFill>
+          </a:ln>
+        </p:spPr>
+        <p:style>
+          <a:lnRef idx="2">
+            <a:schemeClr val="accent1">
+              <a:shade val="50000"/>
+            </a:schemeClr>
+          </a:lnRef>
+          <a:fillRef idx="1">
+            <a:schemeClr val="accent1"/>
+          </a:fillRef>
+          <a:effectRef idx="0">
+            <a:schemeClr val="accent1"/>
+          </a:effectRef>
+          <a:fontRef idx="minor">
+            <a:schemeClr val="lt1"/>
+          </a:fontRef>
+        </p:style>
+        <p:txBody>
+          <a:bodyPr rtlCol="0" anchor="ctr"/>
+          <a:lstStyle/>
+          <a:p>
+            <a:pPr algn="ctr"/>
+            <a:endParaRPr kumimoji="1" lang="ja-JP" altLang="en-US"/>
           </a:p>
         </p:txBody>
       </p:sp>
     </p:spTree>
     <p:extLst>
       <p:ext uri="{BB962C8B-B14F-4D97-AF65-F5344CB8AC3E}">
-        <p14:creationId xmlns:p14="http://schemas.microsoft.com/office/powerpoint/2010/main" val="2007360637"/>
+        <p14:creationId xmlns:p14="http://schemas.microsoft.com/office/powerpoint/2010/main" val="1574139247"/>
       </p:ext>
     </p:extLst>
   </p:cSld>
@@ -8295,7 +10212,7 @@
 </p:sld>
 </file>
 
-<file path=ppt/slides/slide5.xml><?xml version="1.0" encoding="utf-8"?>
+<file path=ppt/slides/slide6.xml><?xml version="1.0" encoding="utf-8"?>
 <p:sld xmlns:a="http://schemas.openxmlformats.org/drawingml/2006/main" xmlns:r="http://schemas.openxmlformats.org/officeDocument/2006/relationships" xmlns:p="http://schemas.openxmlformats.org/presentationml/2006/main">
   <p:cSld>
     <p:spTree>
@@ -8314,6 +10231,492 @@
       </p:grpSpPr>
       <p:sp>
         <p:nvSpPr>
+          <p:cNvPr id="2" name="タイトル 1"/>
+          <p:cNvSpPr>
+            <a:spLocks noGrp="1"/>
+          </p:cNvSpPr>
+          <p:nvPr>
+            <p:ph type="title"/>
+          </p:nvPr>
+        </p:nvSpPr>
+        <p:spPr/>
+        <p:txBody>
+          <a:bodyPr/>
+          <a:lstStyle/>
+          <a:p>
+            <a:r>
+              <a:rPr kumimoji="1" lang="ja-JP" altLang="en-US" dirty="0"/>
+              <a:t>画像の用意</a:t>
+            </a:r>
+          </a:p>
+        </p:txBody>
+      </p:sp>
+      <p:sp>
+        <p:nvSpPr>
+          <p:cNvPr id="11" name="縦書きテキスト プレースホルダー 10"/>
+          <p:cNvSpPr>
+            <a:spLocks noGrp="1"/>
+          </p:cNvSpPr>
+          <p:nvPr>
+            <p:ph type="body" orient="vert" idx="1"/>
+          </p:nvPr>
+        </p:nvSpPr>
+        <p:spPr>
+          <a:xfrm>
+            <a:off x="628649" y="1825625"/>
+            <a:ext cx="8349095" cy="4351338"/>
+          </a:xfrm>
+        </p:spPr>
+        <p:txBody>
+          <a:bodyPr vert="horz">
+            <a:normAutofit/>
+          </a:bodyPr>
+          <a:lstStyle/>
+          <a:p>
+            <a:pPr marL="514350" indent="-514350">
+              <a:buFont typeface="+mj-lt"/>
+              <a:buAutoNum type="arabicPeriod"/>
+            </a:pPr>
+            <a:r>
+              <a:rPr lang="en-US" altLang="ja-JP" dirty="0"/>
+              <a:t>28px</a:t>
+            </a:r>
+            <a:r>
+              <a:rPr lang="ja-JP" altLang="en-US" dirty="0"/>
+              <a:t>の正方形の画像を用意します</a:t>
+            </a:r>
+            <a:endParaRPr lang="en-US" altLang="ja-JP" dirty="0"/>
+          </a:p>
+          <a:p>
+            <a:pPr marL="514350" indent="-514350">
+              <a:buFont typeface="+mj-lt"/>
+              <a:buAutoNum type="arabicPeriod"/>
+            </a:pPr>
+            <a:endParaRPr lang="en-US" altLang="ja-JP" dirty="0"/>
+          </a:p>
+          <a:p>
+            <a:pPr marL="514350" indent="-514350">
+              <a:buFont typeface="+mj-lt"/>
+              <a:buAutoNum type="arabicPeriod"/>
+            </a:pPr>
+            <a:r>
+              <a:rPr lang="ja-JP" altLang="en-US" dirty="0"/>
+              <a:t>適当な数字をペイントで描く</a:t>
+            </a:r>
+            <a:endParaRPr lang="en-US" altLang="ja-JP" dirty="0"/>
+          </a:p>
+          <a:p>
+            <a:pPr marL="514350" indent="-514350">
+              <a:buFont typeface="+mj-lt"/>
+              <a:buAutoNum type="arabicPeriod"/>
+            </a:pPr>
+            <a:endParaRPr lang="en-US" altLang="ja-JP" dirty="0"/>
+          </a:p>
+          <a:p>
+            <a:pPr marL="514350" indent="-514350">
+              <a:buFont typeface="+mj-lt"/>
+              <a:buAutoNum type="arabicPeriod"/>
+            </a:pPr>
+            <a:r>
+              <a:rPr lang="ja-JP" altLang="en-US" dirty="0"/>
+              <a:t>ファイル名は「</a:t>
+            </a:r>
+            <a:r>
+              <a:rPr lang="en-US" altLang="ja-JP" dirty="0"/>
+              <a:t>train_N.jpg</a:t>
+            </a:r>
+            <a:r>
+              <a:rPr lang="ja-JP" altLang="en-US" dirty="0"/>
+              <a:t>」という連番で保存</a:t>
+            </a:r>
+            <a:endParaRPr lang="en-US" altLang="ja-JP" dirty="0"/>
+          </a:p>
+          <a:p>
+            <a:pPr marL="0" indent="0">
+              <a:buNone/>
+            </a:pPr>
+            <a:endParaRPr lang="en-US" altLang="ja-JP" dirty="0"/>
+          </a:p>
+          <a:p>
+            <a:pPr marL="0" indent="0">
+              <a:buNone/>
+            </a:pPr>
+            <a:endParaRPr lang="en-US" altLang="ja-JP" dirty="0"/>
+          </a:p>
+          <a:p>
+            <a:pPr marL="0" indent="0">
+              <a:buNone/>
+            </a:pPr>
+            <a:r>
+              <a:rPr lang="ja-JP" altLang="en-US" dirty="0"/>
+              <a:t>今回は</a:t>
+            </a:r>
+            <a:r>
+              <a:rPr lang="en-US" altLang="ja-JP" dirty="0"/>
+              <a:t>10</a:t>
+            </a:r>
+            <a:r>
+              <a:rPr lang="ja-JP" altLang="en-US" dirty="0"/>
+              <a:t>個作成してください。</a:t>
+            </a:r>
+            <a:endParaRPr lang="en-US" altLang="ja-JP" dirty="0"/>
+          </a:p>
+        </p:txBody>
+      </p:sp>
+      <p:grpSp>
+        <p:nvGrpSpPr>
+          <p:cNvPr id="10" name="グループ化 9"/>
+          <p:cNvGrpSpPr/>
+          <p:nvPr/>
+        </p:nvGrpSpPr>
+        <p:grpSpPr>
+          <a:xfrm>
+            <a:off x="6988177" y="1825623"/>
+            <a:ext cx="1563454" cy="1380566"/>
+            <a:chOff x="628650" y="1690689"/>
+            <a:chExt cx="1093767" cy="965822"/>
+          </a:xfrm>
+        </p:grpSpPr>
+        <p:pic>
+          <p:nvPicPr>
+            <p:cNvPr id="3" name="図 2"/>
+            <p:cNvPicPr>
+              <a:picLocks noChangeAspect="1"/>
+            </p:cNvPicPr>
+            <p:nvPr/>
+          </p:nvPicPr>
+          <p:blipFill>
+            <a:blip r:embed="rId2"/>
+            <a:stretch>
+              <a:fillRect/>
+            </a:stretch>
+          </p:blipFill>
+          <p:spPr>
+            <a:xfrm>
+              <a:off x="628650" y="1690689"/>
+              <a:ext cx="681404" cy="681404"/>
+            </a:xfrm>
+            <a:prstGeom prst="rect">
+              <a:avLst/>
+            </a:prstGeom>
+          </p:spPr>
+        </p:pic>
+        <p:sp>
+          <p:nvSpPr>
+            <p:cNvPr id="4" name="テキスト ボックス 3"/>
+            <p:cNvSpPr txBox="1"/>
+            <p:nvPr/>
+          </p:nvSpPr>
+          <p:spPr>
+            <a:xfrm>
+              <a:off x="1346781" y="1927816"/>
+              <a:ext cx="375636" cy="215316"/>
+            </a:xfrm>
+            <a:prstGeom prst="rect">
+              <a:avLst/>
+            </a:prstGeom>
+            <a:noFill/>
+          </p:spPr>
+          <p:txBody>
+            <a:bodyPr wrap="none" rtlCol="0">
+              <a:spAutoFit/>
+            </a:bodyPr>
+            <a:lstStyle/>
+            <a:p>
+              <a:r>
+                <a:rPr kumimoji="1" lang="en-US" altLang="ja-JP" sz="1400" dirty="0"/>
+                <a:t>28px</a:t>
+              </a:r>
+              <a:endParaRPr kumimoji="1" lang="ja-JP" altLang="en-US" sz="1400" dirty="0"/>
+            </a:p>
+          </p:txBody>
+        </p:sp>
+        <p:sp>
+          <p:nvSpPr>
+            <p:cNvPr id="5" name="円弧 4"/>
+            <p:cNvSpPr/>
+            <p:nvPr/>
+          </p:nvSpPr>
+          <p:spPr>
+            <a:xfrm>
+              <a:off x="1130912" y="1693070"/>
+              <a:ext cx="353522" cy="353522"/>
+            </a:xfrm>
+            <a:prstGeom prst="arc">
+              <a:avLst/>
+            </a:prstGeom>
+          </p:spPr>
+          <p:style>
+            <a:lnRef idx="1">
+              <a:schemeClr val="dk1"/>
+            </a:lnRef>
+            <a:fillRef idx="0">
+              <a:schemeClr val="dk1"/>
+            </a:fillRef>
+            <a:effectRef idx="0">
+              <a:schemeClr val="dk1"/>
+            </a:effectRef>
+            <a:fontRef idx="minor">
+              <a:schemeClr val="tx1"/>
+            </a:fontRef>
+          </p:style>
+          <p:txBody>
+            <a:bodyPr rtlCol="0" anchor="ctr"/>
+            <a:lstStyle/>
+            <a:p>
+              <a:pPr algn="ctr"/>
+              <a:endParaRPr kumimoji="1" lang="ja-JP" altLang="en-US"/>
+            </a:p>
+          </p:txBody>
+        </p:sp>
+        <p:sp>
+          <p:nvSpPr>
+            <p:cNvPr id="6" name="円弧 5"/>
+            <p:cNvSpPr/>
+            <p:nvPr/>
+          </p:nvSpPr>
+          <p:spPr>
+            <a:xfrm flipV="1">
+              <a:off x="1130912" y="2012640"/>
+              <a:ext cx="353522" cy="353522"/>
+            </a:xfrm>
+            <a:prstGeom prst="arc">
+              <a:avLst/>
+            </a:prstGeom>
+          </p:spPr>
+          <p:style>
+            <a:lnRef idx="1">
+              <a:schemeClr val="dk1"/>
+            </a:lnRef>
+            <a:fillRef idx="0">
+              <a:schemeClr val="dk1"/>
+            </a:fillRef>
+            <a:effectRef idx="0">
+              <a:schemeClr val="dk1"/>
+            </a:effectRef>
+            <a:fontRef idx="minor">
+              <a:schemeClr val="tx1"/>
+            </a:fontRef>
+          </p:style>
+          <p:txBody>
+            <a:bodyPr rtlCol="0" anchor="ctr"/>
+            <a:lstStyle/>
+            <a:p>
+              <a:pPr algn="ctr"/>
+              <a:endParaRPr kumimoji="1" lang="ja-JP" altLang="en-US"/>
+            </a:p>
+          </p:txBody>
+        </p:sp>
+        <p:sp>
+          <p:nvSpPr>
+            <p:cNvPr id="7" name="円弧 6"/>
+            <p:cNvSpPr/>
+            <p:nvPr/>
+          </p:nvSpPr>
+          <p:spPr>
+            <a:xfrm rot="5400000">
+              <a:off x="954151" y="2189401"/>
+              <a:ext cx="353522" cy="353522"/>
+            </a:xfrm>
+            <a:prstGeom prst="arc">
+              <a:avLst/>
+            </a:prstGeom>
+          </p:spPr>
+          <p:style>
+            <a:lnRef idx="1">
+              <a:schemeClr val="dk1"/>
+            </a:lnRef>
+            <a:fillRef idx="0">
+              <a:schemeClr val="dk1"/>
+            </a:fillRef>
+            <a:effectRef idx="0">
+              <a:schemeClr val="dk1"/>
+            </a:effectRef>
+            <a:fontRef idx="minor">
+              <a:schemeClr val="tx1"/>
+            </a:fontRef>
+          </p:style>
+          <p:txBody>
+            <a:bodyPr rtlCol="0" anchor="ctr"/>
+            <a:lstStyle/>
+            <a:p>
+              <a:pPr algn="ctr"/>
+              <a:endParaRPr kumimoji="1" lang="ja-JP" altLang="en-US"/>
+            </a:p>
+          </p:txBody>
+        </p:sp>
+        <p:sp>
+          <p:nvSpPr>
+            <p:cNvPr id="8" name="円弧 7"/>
+            <p:cNvSpPr/>
+            <p:nvPr/>
+          </p:nvSpPr>
+          <p:spPr>
+            <a:xfrm rot="5400000" flipV="1">
+              <a:off x="628650" y="2195332"/>
+              <a:ext cx="353522" cy="353522"/>
+            </a:xfrm>
+            <a:prstGeom prst="arc">
+              <a:avLst/>
+            </a:prstGeom>
+          </p:spPr>
+          <p:style>
+            <a:lnRef idx="1">
+              <a:schemeClr val="dk1"/>
+            </a:lnRef>
+            <a:fillRef idx="0">
+              <a:schemeClr val="dk1"/>
+            </a:fillRef>
+            <a:effectRef idx="0">
+              <a:schemeClr val="dk1"/>
+            </a:effectRef>
+            <a:fontRef idx="minor">
+              <a:schemeClr val="tx1"/>
+            </a:fontRef>
+          </p:style>
+          <p:txBody>
+            <a:bodyPr rtlCol="0" anchor="ctr"/>
+            <a:lstStyle/>
+            <a:p>
+              <a:pPr algn="ctr"/>
+              <a:endParaRPr kumimoji="1" lang="ja-JP" altLang="en-US"/>
+            </a:p>
+          </p:txBody>
+        </p:sp>
+        <p:sp>
+          <p:nvSpPr>
+            <p:cNvPr id="9" name="テキスト ボックス 8"/>
+            <p:cNvSpPr txBox="1"/>
+            <p:nvPr/>
+          </p:nvSpPr>
+          <p:spPr>
+            <a:xfrm>
+              <a:off x="795545" y="2441195"/>
+              <a:ext cx="375636" cy="215316"/>
+            </a:xfrm>
+            <a:prstGeom prst="rect">
+              <a:avLst/>
+            </a:prstGeom>
+            <a:noFill/>
+          </p:spPr>
+          <p:txBody>
+            <a:bodyPr wrap="none" rtlCol="0">
+              <a:spAutoFit/>
+            </a:bodyPr>
+            <a:lstStyle/>
+            <a:p>
+              <a:r>
+                <a:rPr kumimoji="1" lang="en-US" altLang="ja-JP" sz="1400" dirty="0"/>
+                <a:t>28px</a:t>
+              </a:r>
+              <a:endParaRPr kumimoji="1" lang="ja-JP" altLang="en-US" sz="1400" dirty="0"/>
+            </a:p>
+          </p:txBody>
+        </p:sp>
+      </p:grpSp>
+      <p:sp>
+        <p:nvSpPr>
+          <p:cNvPr id="12" name="テキスト ボックス 11"/>
+          <p:cNvSpPr txBox="1"/>
+          <p:nvPr/>
+        </p:nvSpPr>
+        <p:spPr>
+          <a:xfrm>
+            <a:off x="958362" y="4629489"/>
+            <a:ext cx="2650534" cy="369332"/>
+          </a:xfrm>
+          <a:prstGeom prst="rect">
+            <a:avLst/>
+          </a:prstGeom>
+          <a:noFill/>
+        </p:spPr>
+        <p:txBody>
+          <a:bodyPr wrap="none" rtlCol="0">
+            <a:spAutoFit/>
+          </a:bodyPr>
+          <a:lstStyle/>
+          <a:p>
+            <a:r>
+              <a:rPr kumimoji="1" lang="ja-JP" altLang="en-US" dirty="0"/>
+              <a:t>例</a:t>
+            </a:r>
+            <a:r>
+              <a:rPr kumimoji="1" lang="en-US" altLang="ja-JP" dirty="0"/>
+              <a:t>) train_1.jpg , tain_2.jpg</a:t>
+            </a:r>
+            <a:endParaRPr kumimoji="1" lang="ja-JP" altLang="en-US" dirty="0"/>
+          </a:p>
+        </p:txBody>
+      </p:sp>
+      <p:sp>
+        <p:nvSpPr>
+          <p:cNvPr id="13" name="テキスト ボックス 12"/>
+          <p:cNvSpPr txBox="1"/>
+          <p:nvPr/>
+        </p:nvSpPr>
+        <p:spPr>
+          <a:xfrm>
+            <a:off x="3810000" y="4260157"/>
+            <a:ext cx="1225015" cy="369332"/>
+          </a:xfrm>
+          <a:prstGeom prst="rect">
+            <a:avLst/>
+          </a:prstGeom>
+          <a:noFill/>
+        </p:spPr>
+        <p:txBody>
+          <a:bodyPr wrap="none" rtlCol="0">
+            <a:spAutoFit/>
+          </a:bodyPr>
+          <a:lstStyle/>
+          <a:p>
+            <a:r>
+              <a:rPr lang="en-US" altLang="ja-JP" dirty="0"/>
+              <a:t>(N= 1</a:t>
+            </a:r>
+            <a:r>
+              <a:rPr lang="ja-JP" altLang="en-US" dirty="0"/>
+              <a:t>～</a:t>
+            </a:r>
+            <a:r>
+              <a:rPr lang="en-US" altLang="ja-JP" dirty="0"/>
+              <a:t>10)</a:t>
+            </a:r>
+          </a:p>
+        </p:txBody>
+      </p:sp>
+    </p:spTree>
+    <p:extLst>
+      <p:ext uri="{BB962C8B-B14F-4D97-AF65-F5344CB8AC3E}">
+        <p14:creationId xmlns:p14="http://schemas.microsoft.com/office/powerpoint/2010/main" val="2007360637"/>
+      </p:ext>
+    </p:extLst>
+  </p:cSld>
+  <p:clrMapOvr>
+    <a:masterClrMapping/>
+  </p:clrMapOvr>
+</p:sld>
+</file>
+
+<file path=ppt/slides/slide7.xml><?xml version="1.0" encoding="utf-8"?>
+<p:sld xmlns:a="http://schemas.openxmlformats.org/drawingml/2006/main" xmlns:r="http://schemas.openxmlformats.org/officeDocument/2006/relationships" xmlns:p="http://schemas.openxmlformats.org/presentationml/2006/main">
+  <p:cSld>
+    <p:spTree>
+      <p:nvGrpSpPr>
+        <p:cNvPr id="1" name=""/>
+        <p:cNvGrpSpPr/>
+        <p:nvPr/>
+      </p:nvGrpSpPr>
+      <p:grpSpPr>
+        <a:xfrm>
+          <a:off x="0" y="0"/>
+          <a:ext cx="0" cy="0"/>
+          <a:chOff x="0" y="0"/>
+          <a:chExt cx="0" cy="0"/>
+        </a:xfrm>
+      </p:grpSpPr>
+      <p:sp>
+        <p:nvSpPr>
           <p:cNvPr id="4" name="タイトル 3"/>
           <p:cNvSpPr>
             <a:spLocks noGrp="1"/>
@@ -8495,7 +10898,7 @@
 </p:sld>
 </file>
 
-<file path=ppt/slides/slide6.xml><?xml version="1.0" encoding="utf-8"?>
+<file path=ppt/slides/slide8.xml><?xml version="1.0" encoding="utf-8"?>
 <p:sld xmlns:a="http://schemas.openxmlformats.org/drawingml/2006/main" xmlns:r="http://schemas.openxmlformats.org/officeDocument/2006/relationships" xmlns:p="http://schemas.openxmlformats.org/presentationml/2006/main">
   <p:cSld>
     <p:spTree>
@@ -8883,7 +11286,7 @@
 </p:sld>
 </file>
 
-<file path=ppt/slides/slide7.xml><?xml version="1.0" encoding="utf-8"?>
+<file path=ppt/slides/slide9.xml><?xml version="1.0" encoding="utf-8"?>
 <p:sld xmlns:a="http://schemas.openxmlformats.org/drawingml/2006/main" xmlns:r="http://schemas.openxmlformats.org/officeDocument/2006/relationships" xmlns:p="http://schemas.openxmlformats.org/presentationml/2006/main">
   <p:cSld>
     <p:spTree>
@@ -9085,216 +11488,6 @@
     <p:extLst>
       <p:ext uri="{BB962C8B-B14F-4D97-AF65-F5344CB8AC3E}">
         <p14:creationId xmlns:p14="http://schemas.microsoft.com/office/powerpoint/2010/main" val="1583480395"/>
-      </p:ext>
-    </p:extLst>
-  </p:cSld>
-  <p:clrMapOvr>
-    <a:masterClrMapping/>
-  </p:clrMapOvr>
-</p:sld>
-</file>
-
-<file path=ppt/slides/slide8.xml><?xml version="1.0" encoding="utf-8"?>
-<p:sld xmlns:a="http://schemas.openxmlformats.org/drawingml/2006/main" xmlns:r="http://schemas.openxmlformats.org/officeDocument/2006/relationships" xmlns:p="http://schemas.openxmlformats.org/presentationml/2006/main">
-  <p:cSld>
-    <p:spTree>
-      <p:nvGrpSpPr>
-        <p:cNvPr id="1" name=""/>
-        <p:cNvGrpSpPr/>
-        <p:nvPr/>
-      </p:nvGrpSpPr>
-      <p:grpSpPr>
-        <a:xfrm>
-          <a:off x="0" y="0"/>
-          <a:ext cx="0" cy="0"/>
-          <a:chOff x="0" y="0"/>
-          <a:chExt cx="0" cy="0"/>
-        </a:xfrm>
-      </p:grpSpPr>
-      <p:sp>
-        <p:nvSpPr>
-          <p:cNvPr id="4" name="タイトル 3"/>
-          <p:cNvSpPr>
-            <a:spLocks noGrp="1"/>
-          </p:cNvSpPr>
-          <p:nvPr>
-            <p:ph type="title"/>
-          </p:nvPr>
-        </p:nvSpPr>
-        <p:spPr/>
-        <p:txBody>
-          <a:bodyPr/>
-          <a:lstStyle/>
-          <a:p>
-            <a:r>
-              <a:rPr lang="ja-JP" altLang="en-US" dirty="0"/>
-              <a:t>画像ラベルの作成</a:t>
-            </a:r>
-            <a:endParaRPr kumimoji="1" lang="ja-JP" altLang="en-US" dirty="0"/>
-          </a:p>
-        </p:txBody>
-      </p:sp>
-      <p:sp>
-        <p:nvSpPr>
-          <p:cNvPr id="6" name="縦書きテキスト プレースホルダー 5"/>
-          <p:cNvSpPr>
-            <a:spLocks noGrp="1"/>
-          </p:cNvSpPr>
-          <p:nvPr>
-            <p:ph type="body" orient="vert" idx="1"/>
-          </p:nvPr>
-        </p:nvSpPr>
-        <p:spPr/>
-        <p:txBody>
-          <a:bodyPr vert="horz">
-            <a:normAutofit/>
-          </a:bodyPr>
-          <a:lstStyle/>
-          <a:p>
-            <a:r>
-              <a:rPr kumimoji="1" lang="ja-JP" altLang="en-US" sz="2000" dirty="0"/>
-              <a:t>作成した「</a:t>
-            </a:r>
-            <a:r>
-              <a:rPr kumimoji="1" lang="en-US" altLang="ja-JP" sz="2000" dirty="0"/>
-              <a:t>.csv</a:t>
-            </a:r>
-            <a:r>
-              <a:rPr kumimoji="1" lang="ja-JP" altLang="en-US" sz="2000" dirty="0"/>
-              <a:t>」ファイルを「メモ帳」で開く</a:t>
-            </a:r>
-          </a:p>
-        </p:txBody>
-      </p:sp>
-      <p:pic>
-        <p:nvPicPr>
-          <p:cNvPr id="5" name="図 4"/>
-          <p:cNvPicPr>
-            <a:picLocks noChangeAspect="1"/>
-          </p:cNvPicPr>
-          <p:nvPr/>
-        </p:nvPicPr>
-        <p:blipFill>
-          <a:blip r:embed="rId2"/>
-          <a:stretch>
-            <a:fillRect/>
-          </a:stretch>
-        </p:blipFill>
-        <p:spPr>
-          <a:xfrm>
-            <a:off x="1383689" y="2355601"/>
-            <a:ext cx="6376621" cy="3956298"/>
-          </a:xfrm>
-          <a:prstGeom prst="rect">
-            <a:avLst/>
-          </a:prstGeom>
-        </p:spPr>
-      </p:pic>
-    </p:spTree>
-    <p:extLst>
-      <p:ext uri="{BB962C8B-B14F-4D97-AF65-F5344CB8AC3E}">
-        <p14:creationId xmlns:p14="http://schemas.microsoft.com/office/powerpoint/2010/main" val="3120995936"/>
-      </p:ext>
-    </p:extLst>
-  </p:cSld>
-  <p:clrMapOvr>
-    <a:masterClrMapping/>
-  </p:clrMapOvr>
-</p:sld>
-</file>
-
-<file path=ppt/slides/slide9.xml><?xml version="1.0" encoding="utf-8"?>
-<p:sld xmlns:a="http://schemas.openxmlformats.org/drawingml/2006/main" xmlns:r="http://schemas.openxmlformats.org/officeDocument/2006/relationships" xmlns:p="http://schemas.openxmlformats.org/presentationml/2006/main">
-  <p:cSld>
-    <p:spTree>
-      <p:nvGrpSpPr>
-        <p:cNvPr id="1" name=""/>
-        <p:cNvGrpSpPr/>
-        <p:nvPr/>
-      </p:nvGrpSpPr>
-      <p:grpSpPr>
-        <a:xfrm>
-          <a:off x="0" y="0"/>
-          <a:ext cx="0" cy="0"/>
-          <a:chOff x="0" y="0"/>
-          <a:chExt cx="0" cy="0"/>
-        </a:xfrm>
-      </p:grpSpPr>
-      <p:sp>
-        <p:nvSpPr>
-          <p:cNvPr id="4" name="タイトル 3"/>
-          <p:cNvSpPr>
-            <a:spLocks noGrp="1"/>
-          </p:cNvSpPr>
-          <p:nvPr>
-            <p:ph type="title"/>
-          </p:nvPr>
-        </p:nvSpPr>
-        <p:spPr/>
-        <p:txBody>
-          <a:bodyPr/>
-          <a:lstStyle/>
-          <a:p>
-            <a:r>
-              <a:rPr lang="ja-JP" altLang="en-US" dirty="0"/>
-              <a:t>画像ラベルの作成</a:t>
-            </a:r>
-            <a:endParaRPr kumimoji="1" lang="ja-JP" altLang="en-US" dirty="0"/>
-          </a:p>
-        </p:txBody>
-      </p:sp>
-      <p:sp>
-        <p:nvSpPr>
-          <p:cNvPr id="6" name="縦書きテキスト プレースホルダー 5"/>
-          <p:cNvSpPr>
-            <a:spLocks noGrp="1"/>
-          </p:cNvSpPr>
-          <p:nvPr>
-            <p:ph type="body" orient="vert" idx="1"/>
-          </p:nvPr>
-        </p:nvSpPr>
-        <p:spPr/>
-        <p:txBody>
-          <a:bodyPr vert="horz">
-            <a:normAutofit/>
-          </a:bodyPr>
-          <a:lstStyle/>
-          <a:p>
-            <a:r>
-              <a:rPr kumimoji="1" lang="ja-JP" altLang="en-US" sz="2000" dirty="0"/>
-              <a:t>「編集」→「置換」</a:t>
-            </a:r>
-          </a:p>
-        </p:txBody>
-      </p:sp>
-      <p:pic>
-        <p:nvPicPr>
-          <p:cNvPr id="3" name="図 2"/>
-          <p:cNvPicPr>
-            <a:picLocks noChangeAspect="1"/>
-          </p:cNvPicPr>
-          <p:nvPr/>
-        </p:nvPicPr>
-        <p:blipFill>
-          <a:blip r:embed="rId2"/>
-          <a:stretch>
-            <a:fillRect/>
-          </a:stretch>
-        </p:blipFill>
-        <p:spPr>
-          <a:xfrm>
-            <a:off x="1383689" y="2355601"/>
-            <a:ext cx="6376622" cy="3956298"/>
-          </a:xfrm>
-          <a:prstGeom prst="rect">
-            <a:avLst/>
-          </a:prstGeom>
-        </p:spPr>
-      </p:pic>
-    </p:spTree>
-    <p:extLst>
-      <p:ext uri="{BB962C8B-B14F-4D97-AF65-F5344CB8AC3E}">
-        <p14:creationId xmlns:p14="http://schemas.microsoft.com/office/powerpoint/2010/main" val="2939302747"/>
       </p:ext>
     </p:extLst>
   </p:cSld>

--- a/3-Caffe向けの自作データセットの作成.pptx
+++ b/3-Caffe向けの自作データセットの作成.pptx
@@ -5,7 +5,7 @@
     <p:sldMasterId id="2147483660" r:id="rId1"/>
   </p:sldMasterIdLst>
   <p:notesMasterIdLst>
-    <p:notesMasterId r:id="rId26"/>
+    <p:notesMasterId r:id="rId27"/>
   </p:notesMasterIdLst>
   <p:sldIdLst>
     <p:sldId id="257" r:id="rId2"/>
@@ -32,6 +32,7 @@
     <p:sldId id="273" r:id="rId23"/>
     <p:sldId id="274" r:id="rId24"/>
     <p:sldId id="275" r:id="rId25"/>
+    <p:sldId id="282" r:id="rId26"/>
   </p:sldIdLst>
   <p:sldSz cx="9144000" cy="6858000" type="screen4x3"/>
   <p:notesSz cx="6858000" cy="9144000"/>
@@ -9229,6 +9230,135 @@
     <p:extLst>
       <p:ext uri="{BB962C8B-B14F-4D97-AF65-F5344CB8AC3E}">
         <p14:creationId xmlns:p14="http://schemas.microsoft.com/office/powerpoint/2010/main" val="2786268502"/>
+      </p:ext>
+    </p:extLst>
+  </p:cSld>
+  <p:clrMapOvr>
+    <a:masterClrMapping/>
+  </p:clrMapOvr>
+</p:sld>
+</file>
+
+<file path=ppt/slides/slide25.xml><?xml version="1.0" encoding="utf-8"?>
+<p:sld xmlns:a="http://schemas.openxmlformats.org/drawingml/2006/main" xmlns:r="http://schemas.openxmlformats.org/officeDocument/2006/relationships" xmlns:p="http://schemas.openxmlformats.org/presentationml/2006/main">
+  <p:cSld>
+    <p:spTree>
+      <p:nvGrpSpPr>
+        <p:cNvPr id="1" name=""/>
+        <p:cNvGrpSpPr/>
+        <p:nvPr/>
+      </p:nvGrpSpPr>
+      <p:grpSpPr>
+        <a:xfrm>
+          <a:off x="0" y="0"/>
+          <a:ext cx="0" cy="0"/>
+          <a:chOff x="0" y="0"/>
+          <a:chExt cx="0" cy="0"/>
+        </a:xfrm>
+      </p:grpSpPr>
+      <p:sp>
+        <p:nvSpPr>
+          <p:cNvPr id="2" name="タイトル 1"/>
+          <p:cNvSpPr>
+            <a:spLocks noGrp="1"/>
+          </p:cNvSpPr>
+          <p:nvPr>
+            <p:ph type="title"/>
+          </p:nvPr>
+        </p:nvSpPr>
+        <p:spPr/>
+        <p:txBody>
+          <a:bodyPr/>
+          <a:lstStyle/>
+          <a:p>
+            <a:r>
+              <a:rPr lang="ja-JP" altLang="en-US" dirty="0" smtClean="0"/>
+              <a:t>いままでの資料</a:t>
+            </a:r>
+            <a:endParaRPr kumimoji="1" lang="ja-JP" altLang="en-US" dirty="0"/>
+          </a:p>
+        </p:txBody>
+      </p:sp>
+      <p:sp>
+        <p:nvSpPr>
+          <p:cNvPr id="3" name="テキスト ボックス 2"/>
+          <p:cNvSpPr txBox="1"/>
+          <p:nvPr/>
+        </p:nvSpPr>
+        <p:spPr>
+          <a:xfrm>
+            <a:off x="1051560" y="1459856"/>
+            <a:ext cx="6733190" cy="461665"/>
+          </a:xfrm>
+          <a:prstGeom prst="rect">
+            <a:avLst/>
+          </a:prstGeom>
+          <a:noFill/>
+        </p:spPr>
+        <p:txBody>
+          <a:bodyPr wrap="none" rtlCol="0">
+            <a:spAutoFit/>
+          </a:bodyPr>
+          <a:lstStyle/>
+          <a:p>
+            <a:r>
+              <a:rPr kumimoji="1" lang="en-US" altLang="ja-JP" sz="2400"/>
+              <a:t>https://</a:t>
+            </a:r>
+            <a:r>
+              <a:rPr kumimoji="1" lang="en-US" altLang="ja-JP" sz="2400" dirty="0" err="1"/>
+              <a:t>github.com</a:t>
+            </a:r>
+            <a:r>
+              <a:rPr kumimoji="1" lang="en-US" altLang="ja-JP" sz="2400" dirty="0"/>
+              <a:t>/hara-lab-</a:t>
+            </a:r>
+            <a:r>
+              <a:rPr kumimoji="1" lang="en-US" altLang="ja-JP" sz="2400" dirty="0" err="1"/>
+              <a:t>mizofumi</a:t>
+            </a:r>
+            <a:r>
+              <a:rPr kumimoji="1" lang="en-US" altLang="ja-JP" sz="2400" dirty="0"/>
+              <a:t>/Seminar2016</a:t>
+            </a:r>
+            <a:endParaRPr kumimoji="1" lang="ja-JP" altLang="en-US" sz="2400" dirty="0"/>
+          </a:p>
+        </p:txBody>
+      </p:sp>
+      <p:pic>
+        <p:nvPicPr>
+          <p:cNvPr id="4" name="図 3"/>
+          <p:cNvPicPr>
+            <a:picLocks noChangeAspect="1"/>
+          </p:cNvPicPr>
+          <p:nvPr/>
+        </p:nvPicPr>
+        <p:blipFill>
+          <a:blip r:embed="rId2">
+            <a:extLst>
+              <a:ext uri="{28A0092B-C50C-407E-A947-70E740481C1C}">
+                <a14:useLocalDpi xmlns:a14="http://schemas.microsoft.com/office/drawing/2010/main" val="0"/>
+              </a:ext>
+            </a:extLst>
+          </a:blip>
+          <a:stretch>
+            <a:fillRect/>
+          </a:stretch>
+        </p:blipFill>
+        <p:spPr>
+          <a:xfrm>
+            <a:off x="941832" y="1921521"/>
+            <a:ext cx="7260336" cy="5203123"/>
+          </a:xfrm>
+          <a:prstGeom prst="rect">
+            <a:avLst/>
+          </a:prstGeom>
+        </p:spPr>
+      </p:pic>
+    </p:spTree>
+    <p:extLst>
+      <p:ext uri="{BB962C8B-B14F-4D97-AF65-F5344CB8AC3E}">
+        <p14:creationId xmlns:p14="http://schemas.microsoft.com/office/powerpoint/2010/main" val="622648585"/>
       </p:ext>
     </p:extLst>
   </p:cSld>

--- a/3-Caffe向けの自作データセットの作成.pptx
+++ b/3-Caffe向けの自作データセットの作成.pptx
@@ -4140,6 +4140,13 @@
   <p:clrMapOvr>
     <a:masterClrMapping/>
   </p:clrMapOvr>
+  <p:timing>
+    <p:tnLst>
+      <p:par>
+        <p:cTn id="1" dur="indefinite" restart="never" nodeType="tmRoot"/>
+      </p:par>
+    </p:tnLst>
+  </p:timing>
 </p:sld>
 </file>
 
@@ -4249,6 +4256,13 @@
   <p:clrMapOvr>
     <a:masterClrMapping/>
   </p:clrMapOvr>
+  <p:timing>
+    <p:tnLst>
+      <p:par>
+        <p:cTn id="1" dur="indefinite" restart="never" nodeType="tmRoot"/>
+      </p:par>
+    </p:tnLst>
+  </p:timing>
 </p:sld>
 </file>
 
@@ -4350,6 +4364,13 @@
   <p:clrMapOvr>
     <a:masterClrMapping/>
   </p:clrMapOvr>
+  <p:timing>
+    <p:tnLst>
+      <p:par>
+        <p:cTn id="1" dur="indefinite" restart="never" nodeType="tmRoot"/>
+      </p:par>
+    </p:tnLst>
+  </p:timing>
 </p:sld>
 </file>
 
@@ -4552,6 +4573,13 @@
   <p:clrMapOvr>
     <a:masterClrMapping/>
   </p:clrMapOvr>
+  <p:timing>
+    <p:tnLst>
+      <p:par>
+        <p:cTn id="1" dur="indefinite" restart="never" nodeType="tmRoot"/>
+      </p:par>
+    </p:tnLst>
+  </p:timing>
 </p:sld>
 </file>
 
@@ -4762,6 +4790,13 @@
   <p:clrMapOvr>
     <a:masterClrMapping/>
   </p:clrMapOvr>
+  <p:timing>
+    <p:tnLst>
+      <p:par>
+        <p:cTn id="1" dur="indefinite" restart="never" nodeType="tmRoot"/>
+      </p:par>
+    </p:tnLst>
+  </p:timing>
 </p:sld>
 </file>
 
@@ -4851,6 +4886,13 @@
   <p:clrMapOvr>
     <a:masterClrMapping/>
   </p:clrMapOvr>
+  <p:timing>
+    <p:tnLst>
+      <p:par>
+        <p:cTn id="1" dur="indefinite" restart="never" nodeType="tmRoot"/>
+      </p:par>
+    </p:tnLst>
+  </p:timing>
 </p:sld>
 </file>
 
@@ -5033,6 +5075,13 @@
   <p:clrMapOvr>
     <a:masterClrMapping/>
   </p:clrMapOvr>
+  <p:timing>
+    <p:tnLst>
+      <p:par>
+        <p:cTn id="1" dur="indefinite" restart="never" nodeType="tmRoot"/>
+      </p:par>
+    </p:tnLst>
+  </p:timing>
 </p:sld>
 </file>
 
@@ -5651,6 +5700,13 @@
   <p:clrMapOvr>
     <a:masterClrMapping/>
   </p:clrMapOvr>
+  <p:timing>
+    <p:tnLst>
+      <p:par>
+        <p:cTn id="1" dur="indefinite" restart="never" nodeType="tmRoot"/>
+      </p:par>
+    </p:tnLst>
+  </p:timing>
 </p:sld>
 </file>
 
@@ -5779,6 +5835,13 @@
   <p:clrMapOvr>
     <a:masterClrMapping/>
   </p:clrMapOvr>
+  <p:timing>
+    <p:tnLst>
+      <p:par>
+        <p:cTn id="1" dur="indefinite" restart="never" nodeType="tmRoot"/>
+      </p:par>
+    </p:tnLst>
+  </p:timing>
 </p:sld>
 </file>
 
@@ -6220,6 +6283,65 @@
           </a:p>
         </p:txBody>
       </p:sp>
+      <p:sp>
+        <p:nvSpPr>
+          <p:cNvPr id="16" name="テキスト ボックス 15"/>
+          <p:cNvSpPr txBox="1"/>
+          <p:nvPr/>
+        </p:nvSpPr>
+        <p:spPr>
+          <a:xfrm>
+            <a:off x="886691" y="6462486"/>
+            <a:ext cx="1637821" cy="369332"/>
+          </a:xfrm>
+          <a:prstGeom prst="rect">
+            <a:avLst/>
+          </a:prstGeom>
+        </p:spPr>
+        <p:style>
+          <a:lnRef idx="2">
+            <a:schemeClr val="accent2"/>
+          </a:lnRef>
+          <a:fillRef idx="1">
+            <a:schemeClr val="lt1"/>
+          </a:fillRef>
+          <a:effectRef idx="0">
+            <a:schemeClr val="accent2"/>
+          </a:effectRef>
+          <a:fontRef idx="minor">
+            <a:schemeClr val="dk1"/>
+          </a:fontRef>
+        </p:style>
+        <p:txBody>
+          <a:bodyPr wrap="none" rtlCol="0">
+            <a:spAutoFit/>
+          </a:bodyPr>
+          <a:lstStyle/>
+          <a:p>
+            <a:r>
+              <a:rPr kumimoji="1" lang="en-US" altLang="ja-JP" dirty="0"/>
+              <a:t>$ </a:t>
+            </a:r>
+            <a:r>
+              <a:rPr kumimoji="1" lang="en-US" altLang="ja-JP" dirty="0" smtClean="0"/>
+              <a:t>cd /</a:t>
+            </a:r>
+            <a:r>
+              <a:rPr kumimoji="1" lang="en-US" altLang="ja-JP" dirty="0" err="1" smtClean="0"/>
+              <a:t>mnt</a:t>
+            </a:r>
+            <a:r>
+              <a:rPr kumimoji="1" lang="en-US" altLang="ja-JP" dirty="0" smtClean="0"/>
+              <a:t>/</a:t>
+            </a:r>
+            <a:r>
+              <a:rPr kumimoji="1" lang="en-US" altLang="ja-JP" dirty="0" err="1" smtClean="0"/>
+              <a:t>caffe</a:t>
+            </a:r>
+            <a:endParaRPr kumimoji="1" lang="ja-JP" altLang="en-US" dirty="0"/>
+          </a:p>
+        </p:txBody>
+      </p:sp>
     </p:spTree>
     <p:extLst>
       <p:ext uri="{BB962C8B-B14F-4D97-AF65-F5344CB8AC3E}">
@@ -6230,6 +6352,13 @@
   <p:clrMapOvr>
     <a:masterClrMapping/>
   </p:clrMapOvr>
+  <p:timing>
+    <p:tnLst>
+      <p:par>
+        <p:cTn id="1" dur="indefinite" restart="never" nodeType="tmRoot"/>
+      </p:par>
+    </p:tnLst>
+  </p:timing>
 </p:sld>
 </file>
 
@@ -6309,26 +6438,14 @@
           <a:p>
             <a:r>
               <a:rPr kumimoji="1" lang="en-US" altLang="ja-JP" sz="1600" dirty="0"/>
-              <a:t>$ /</a:t>
-            </a:r>
-            <a:r>
-              <a:rPr kumimoji="1" lang="en-US" altLang="ja-JP" sz="1600" dirty="0" err="1"/>
-              <a:t>mnt</a:t>
-            </a:r>
-            <a:r>
-              <a:rPr kumimoji="1" lang="en-US" altLang="ja-JP" sz="1600" dirty="0"/>
-              <a:t>/</a:t>
-            </a:r>
-            <a:r>
-              <a:rPr kumimoji="1" lang="en-US" altLang="ja-JP" sz="1600" dirty="0" err="1"/>
-              <a:t>caffe</a:t>
-            </a:r>
-            <a:r>
-              <a:rPr kumimoji="1" lang="en-US" altLang="ja-JP" sz="1600" dirty="0"/>
-              <a:t>/build/tools/</a:t>
-            </a:r>
-            <a:r>
-              <a:rPr kumimoji="1" lang="en-US" altLang="ja-JP" sz="1600" dirty="0" err="1"/>
+              <a:t>$ </a:t>
+            </a:r>
+            <a:r>
+              <a:rPr kumimoji="1" lang="en-US" altLang="ja-JP" sz="1600" dirty="0" smtClean="0"/>
+              <a:t>./build/tools/</a:t>
+            </a:r>
+            <a:r>
+              <a:rPr kumimoji="1" lang="en-US" altLang="ja-JP" sz="1600" dirty="0" err="1" smtClean="0"/>
               <a:t>convert_imageset</a:t>
             </a:r>
             <a:endParaRPr kumimoji="1" lang="en-US" altLang="ja-JP" sz="1600" dirty="0"/>
@@ -6337,6 +6454,14 @@
             <a:r>
               <a:rPr kumimoji="1" lang="en-US" altLang="ja-JP" sz="1600" dirty="0"/>
               <a:t> </a:t>
+            </a:r>
+            <a:r>
+              <a:rPr kumimoji="1" lang="en-US" altLang="ja-JP" sz="1600" dirty="0" smtClean="0">
+                <a:solidFill>
+                  <a:schemeClr val="accent6"/>
+                </a:solidFill>
+              </a:rPr>
+              <a:t>./</a:t>
             </a:r>
             <a:r>
               <a:rPr kumimoji="1" lang="en-US" altLang="ja-JP" sz="1600" dirty="0">
@@ -6344,39 +6469,7 @@
                   <a:schemeClr val="accent6"/>
                 </a:solidFill>
               </a:rPr>
-              <a:t>/</a:t>
-            </a:r>
-            <a:r>
-              <a:rPr kumimoji="1" lang="en-US" altLang="ja-JP" sz="1600" dirty="0" err="1">
-                <a:solidFill>
-                  <a:schemeClr val="accent6"/>
-                </a:solidFill>
-              </a:rPr>
-              <a:t>mnt</a:t>
-            </a:r>
-            <a:r>
-              <a:rPr kumimoji="1" lang="en-US" altLang="ja-JP" sz="1600" dirty="0">
-                <a:solidFill>
-                  <a:schemeClr val="accent6"/>
-                </a:solidFill>
-              </a:rPr>
-              <a:t>/</a:t>
-            </a:r>
-            <a:r>
-              <a:rPr kumimoji="1" lang="en-US" altLang="ja-JP" sz="1600" dirty="0" err="1">
-                <a:solidFill>
-                  <a:schemeClr val="accent6"/>
-                </a:solidFill>
-              </a:rPr>
-              <a:t>caffe</a:t>
-            </a:r>
-            <a:r>
-              <a:rPr kumimoji="1" lang="en-US" altLang="ja-JP" sz="1600" dirty="0">
-                <a:solidFill>
-                  <a:schemeClr val="accent6"/>
-                </a:solidFill>
-              </a:rPr>
-              <a:t>/seminar2016/images</a:t>
+              <a:t>seminar2016/images</a:t>
             </a:r>
             <a:r>
               <a:rPr kumimoji="1" lang="en-US" altLang="ja-JP" sz="1600" dirty="0"/>
@@ -6388,40 +6481,29 @@
                   <a:schemeClr val="accent1"/>
                 </a:solidFill>
               </a:rPr>
-              <a:t>/</a:t>
-            </a:r>
-            <a:r>
-              <a:rPr kumimoji="1" lang="en-US" altLang="ja-JP" sz="1600" dirty="0" err="1">
+              <a:t>.</a:t>
+            </a:r>
+            <a:r>
+              <a:rPr kumimoji="1" lang="en-US" altLang="ja-JP" sz="1600" dirty="0" smtClean="0">
                 <a:solidFill>
                   <a:schemeClr val="accent1"/>
                 </a:solidFill>
               </a:rPr>
-              <a:t>mnt</a:t>
-            </a:r>
-            <a:r>
-              <a:rPr kumimoji="1" lang="en-US" altLang="ja-JP" sz="1600" dirty="0">
+              <a:t>/seminar2016/</a:t>
+            </a:r>
+            <a:r>
+              <a:rPr kumimoji="1" lang="en-US" altLang="ja-JP" sz="1600" dirty="0" err="1" smtClean="0">
                 <a:solidFill>
                   <a:schemeClr val="accent1"/>
                 </a:solidFill>
               </a:rPr>
-              <a:t>/</a:t>
-            </a:r>
-            <a:r>
-              <a:rPr kumimoji="1" lang="en-US" altLang="ja-JP" sz="1600" dirty="0" err="1">
-                <a:solidFill>
-                  <a:schemeClr val="accent1"/>
-                </a:solidFill>
-              </a:rPr>
-              <a:t>caffe</a:t>
-            </a:r>
-            <a:r>
-              <a:rPr kumimoji="1" lang="en-US" altLang="ja-JP" sz="1600" dirty="0">
-                <a:solidFill>
-                  <a:schemeClr val="accent1"/>
-                </a:solidFill>
-              </a:rPr>
-              <a:t>/seminar2016/label.txt</a:t>
-            </a:r>
+              <a:t>label.txt</a:t>
+            </a:r>
+            <a:endParaRPr kumimoji="1" lang="en-US" altLang="ja-JP" sz="1600" dirty="0">
+              <a:solidFill>
+                <a:schemeClr val="accent1"/>
+              </a:solidFill>
+            </a:endParaRPr>
           </a:p>
           <a:p>
             <a:r>
@@ -6434,34 +6516,10 @@
                   <a:schemeClr val="accent4"/>
                 </a:solidFill>
               </a:rPr>
-              <a:t>/</a:t>
-            </a:r>
-            <a:r>
-              <a:rPr kumimoji="1" lang="en-US" altLang="ja-JP" sz="1600" dirty="0" err="1">
-                <a:solidFill>
-                  <a:schemeClr val="accent4"/>
-                </a:solidFill>
-              </a:rPr>
-              <a:t>mnt</a:t>
-            </a:r>
-            <a:r>
-              <a:rPr kumimoji="1" lang="en-US" altLang="ja-JP" sz="1600" dirty="0">
-                <a:solidFill>
-                  <a:schemeClr val="accent4"/>
-                </a:solidFill>
-              </a:rPr>
-              <a:t>/</a:t>
-            </a:r>
-            <a:r>
-              <a:rPr kumimoji="1" lang="en-US" altLang="ja-JP" sz="1600" dirty="0" err="1">
-                <a:solidFill>
-                  <a:schemeClr val="accent4"/>
-                </a:solidFill>
-              </a:rPr>
-              <a:t>caffe</a:t>
-            </a:r>
-            <a:r>
-              <a:rPr kumimoji="1" lang="en-US" altLang="ja-JP" sz="1600" dirty="0">
+              <a:t>.</a:t>
+            </a:r>
+            <a:r>
+              <a:rPr kumimoji="1" lang="en-US" altLang="ja-JP" sz="1600" dirty="0" smtClean="0">
                 <a:solidFill>
                   <a:schemeClr val="accent4"/>
                 </a:solidFill>
@@ -6469,7 +6527,7 @@
               <a:t>/seminar2016/</a:t>
             </a:r>
             <a:r>
-              <a:rPr kumimoji="1" lang="en-US" altLang="ja-JP" sz="1600" dirty="0" err="1">
+              <a:rPr kumimoji="1" lang="en-US" altLang="ja-JP" sz="1600" dirty="0" err="1" smtClean="0">
                 <a:solidFill>
                   <a:schemeClr val="accent4"/>
                 </a:solidFill>
@@ -6477,7 +6535,7 @@
               <a:t>train_lmdb</a:t>
             </a:r>
             <a:r>
-              <a:rPr kumimoji="1" lang="en-US" altLang="ja-JP" sz="1600" dirty="0"/>
+              <a:rPr kumimoji="1" lang="en-US" altLang="ja-JP" sz="1600" dirty="0" smtClean="0"/>
               <a:t> </a:t>
             </a:r>
             <a:r>
@@ -6585,30 +6643,18 @@
           <a:p>
             <a:r>
               <a:rPr kumimoji="1" lang="en-US" altLang="ja-JP" sz="1600" dirty="0"/>
-              <a:t>$ /</a:t>
-            </a:r>
-            <a:r>
-              <a:rPr kumimoji="1" lang="en-US" altLang="ja-JP" sz="1600" dirty="0" err="1"/>
-              <a:t>mnt</a:t>
-            </a:r>
-            <a:r>
-              <a:rPr kumimoji="1" lang="en-US" altLang="ja-JP" sz="1600" dirty="0"/>
-              <a:t>/</a:t>
-            </a:r>
-            <a:r>
-              <a:rPr kumimoji="1" lang="en-US" altLang="ja-JP" sz="1600" dirty="0" err="1"/>
-              <a:t>caffe</a:t>
-            </a:r>
-            <a:r>
-              <a:rPr kumimoji="1" lang="en-US" altLang="ja-JP" sz="1600" dirty="0"/>
-              <a:t>/build/tools/</a:t>
-            </a:r>
-            <a:r>
-              <a:rPr kumimoji="1" lang="en-US" altLang="ja-JP" sz="1600" dirty="0" err="1"/>
+              <a:t>$ </a:t>
+            </a:r>
+            <a:r>
+              <a:rPr kumimoji="1" lang="en-US" altLang="ja-JP" sz="1600" dirty="0" smtClean="0"/>
+              <a:t>./build/tools/</a:t>
+            </a:r>
+            <a:r>
+              <a:rPr kumimoji="1" lang="en-US" altLang="ja-JP" sz="1600" dirty="0" err="1" smtClean="0"/>
               <a:t>convert_imageset</a:t>
             </a:r>
             <a:r>
-              <a:rPr kumimoji="1" lang="en-US" altLang="ja-JP" sz="1600" dirty="0"/>
+              <a:rPr kumimoji="1" lang="en-US" altLang="ja-JP" sz="1600" dirty="0" smtClean="0"/>
               <a:t> </a:t>
             </a:r>
             <a:r>
@@ -7167,6 +7213,13 @@
   <p:clrMapOvr>
     <a:masterClrMapping/>
   </p:clrMapOvr>
+  <p:timing>
+    <p:tnLst>
+      <p:par>
+        <p:cTn id="1" dur="indefinite" restart="never" nodeType="tmRoot"/>
+      </p:par>
+    </p:tnLst>
+  </p:timing>
 </p:sld>
 </file>
 
@@ -7359,6 +7412,13 @@
   <p:clrMapOvr>
     <a:masterClrMapping/>
   </p:clrMapOvr>
+  <p:timing>
+    <p:tnLst>
+      <p:par>
+        <p:cTn id="1" dur="indefinite" restart="never" nodeType="tmRoot"/>
+      </p:par>
+    </p:tnLst>
+  </p:timing>
 </p:sld>
 </file>
 
@@ -7625,6 +7685,13 @@
   <p:clrMapOvr>
     <a:masterClrMapping/>
   </p:clrMapOvr>
+  <p:timing>
+    <p:tnLst>
+      <p:par>
+        <p:cTn id="1" dur="indefinite" restart="never" nodeType="tmRoot"/>
+      </p:par>
+    </p:tnLst>
+  </p:timing>
 </p:sld>
 </file>
 
@@ -8145,6 +8212,13 @@
   <p:clrMapOvr>
     <a:masterClrMapping/>
   </p:clrMapOvr>
+  <p:timing>
+    <p:tnLst>
+      <p:par>
+        <p:cTn id="1" dur="indefinite" restart="never" nodeType="tmRoot"/>
+      </p:par>
+    </p:tnLst>
+  </p:timing>
 </p:sld>
 </file>
 
@@ -8533,6 +8607,13 @@
   <p:clrMapOvr>
     <a:masterClrMapping/>
   </p:clrMapOvr>
+  <p:timing>
+    <p:tnLst>
+      <p:par>
+        <p:cTn id="1" dur="indefinite" restart="never" nodeType="tmRoot"/>
+      </p:par>
+    </p:tnLst>
+  </p:timing>
 </p:sld>
 </file>
 
@@ -8958,6 +9039,13 @@
   <p:clrMapOvr>
     <a:masterClrMapping/>
   </p:clrMapOvr>
+  <p:timing>
+    <p:tnLst>
+      <p:par>
+        <p:cTn id="1" dur="indefinite" restart="never" nodeType="tmRoot"/>
+      </p:par>
+    </p:tnLst>
+  </p:timing>
 </p:sld>
 </file>
 
@@ -9236,6 +9324,13 @@
   <p:clrMapOvr>
     <a:masterClrMapping/>
   </p:clrMapOvr>
+  <p:timing>
+    <p:tnLst>
+      <p:par>
+        <p:cTn id="1" dur="indefinite" restart="never" nodeType="tmRoot"/>
+      </p:par>
+    </p:tnLst>
+  </p:timing>
 </p:sld>
 </file>
 
@@ -9365,6 +9460,13 @@
   <p:clrMapOvr>
     <a:masterClrMapping/>
   </p:clrMapOvr>
+  <p:timing>
+    <p:tnLst>
+      <p:par>
+        <p:cTn id="1" dur="indefinite" restart="never" nodeType="tmRoot"/>
+      </p:par>
+    </p:tnLst>
+  </p:timing>
 </p:sld>
 </file>
 
@@ -9644,6 +9746,13 @@
   <p:clrMapOvr>
     <a:masterClrMapping/>
   </p:clrMapOvr>
+  <p:timing>
+    <p:tnLst>
+      <p:par>
+        <p:cTn id="1" dur="indefinite" restart="never" nodeType="tmRoot"/>
+      </p:par>
+    </p:tnLst>
+  </p:timing>
 </p:sld>
 </file>
 
@@ -9745,6 +9854,13 @@
   <p:clrMapOvr>
     <a:masterClrMapping/>
   </p:clrMapOvr>
+  <p:timing>
+    <p:tnLst>
+      <p:par>
+        <p:cTn id="1" dur="indefinite" restart="never" nodeType="tmRoot"/>
+      </p:par>
+    </p:tnLst>
+  </p:timing>
 </p:sld>
 </file>
 
@@ -10339,6 +10455,13 @@
   <p:clrMapOvr>
     <a:masterClrMapping/>
   </p:clrMapOvr>
+  <p:timing>
+    <p:tnLst>
+      <p:par>
+        <p:cTn id="1" dur="indefinite" restart="never" nodeType="tmRoot"/>
+      </p:par>
+    </p:tnLst>
+  </p:timing>
 </p:sld>
 </file>
 
@@ -10825,6 +10948,13 @@
   <p:clrMapOvr>
     <a:masterClrMapping/>
   </p:clrMapOvr>
+  <p:timing>
+    <p:tnLst>
+      <p:par>
+        <p:cTn id="1" dur="indefinite" restart="never" nodeType="tmRoot"/>
+      </p:par>
+    </p:tnLst>
+  </p:timing>
 </p:sld>
 </file>
 
@@ -11025,6 +11155,13 @@
   <p:clrMapOvr>
     <a:masterClrMapping/>
   </p:clrMapOvr>
+  <p:timing>
+    <p:tnLst>
+      <p:par>
+        <p:cTn id="1" dur="indefinite" restart="never" nodeType="tmRoot"/>
+      </p:par>
+    </p:tnLst>
+  </p:timing>
 </p:sld>
 </file>
 
@@ -11413,6 +11550,13 @@
   <p:clrMapOvr>
     <a:masterClrMapping/>
   </p:clrMapOvr>
+  <p:timing>
+    <p:tnLst>
+      <p:par>
+        <p:cTn id="1" dur="indefinite" restart="never" nodeType="tmRoot"/>
+      </p:par>
+    </p:tnLst>
+  </p:timing>
 </p:sld>
 </file>
 
@@ -11624,6 +11768,13 @@
   <p:clrMapOvr>
     <a:masterClrMapping/>
   </p:clrMapOvr>
+  <p:timing>
+    <p:tnLst>
+      <p:par>
+        <p:cTn id="1" dur="indefinite" restart="never" nodeType="tmRoot"/>
+      </p:par>
+    </p:tnLst>
+  </p:timing>
 </p:sld>
 </file>
 
